--- a/presentation/campaign presentation.pptx
+++ b/presentation/campaign presentation.pptx
@@ -292,7 +292,7 @@
           <a:p>
             <a:fld id="{6735B5DE-0D4C-4221-96C9-7B2D51C2FE65}" type="datetimeFigureOut">
               <a:rPr lang="zh-CN" altLang="en-US" smtClean="0"/>
-              <a:t>2018/6/16</a:t>
+              <a:t>2018/6/19</a:t>
             </a:fld>
             <a:endParaRPr lang="zh-CN" altLang="en-US"/>
           </a:p>
@@ -474,7 +474,7 @@
           <a:p>
             <a:fld id="{6735B5DE-0D4C-4221-96C9-7B2D51C2FE65}" type="datetimeFigureOut">
               <a:rPr lang="zh-CN" altLang="en-US" smtClean="0"/>
-              <a:t>2018/6/16</a:t>
+              <a:t>2018/6/19</a:t>
             </a:fld>
             <a:endParaRPr lang="zh-CN" altLang="en-US"/>
           </a:p>
@@ -666,7 +666,7 @@
           <a:p>
             <a:fld id="{6735B5DE-0D4C-4221-96C9-7B2D51C2FE65}" type="datetimeFigureOut">
               <a:rPr lang="zh-CN" altLang="en-US" smtClean="0"/>
-              <a:t>2018/6/16</a:t>
+              <a:t>2018/6/19</a:t>
             </a:fld>
             <a:endParaRPr lang="zh-CN" altLang="en-US"/>
           </a:p>
@@ -848,7 +848,7 @@
           <a:p>
             <a:fld id="{6735B5DE-0D4C-4221-96C9-7B2D51C2FE65}" type="datetimeFigureOut">
               <a:rPr lang="zh-CN" altLang="en-US" smtClean="0"/>
-              <a:t>2018/6/16</a:t>
+              <a:t>2018/6/19</a:t>
             </a:fld>
             <a:endParaRPr lang="zh-CN" altLang="en-US"/>
           </a:p>
@@ -1106,7 +1106,7 @@
           <a:p>
             <a:fld id="{6735B5DE-0D4C-4221-96C9-7B2D51C2FE65}" type="datetimeFigureOut">
               <a:rPr lang="zh-CN" altLang="en-US" smtClean="0"/>
-              <a:t>2018/6/16</a:t>
+              <a:t>2018/6/19</a:t>
             </a:fld>
             <a:endParaRPr lang="zh-CN" altLang="en-US"/>
           </a:p>
@@ -1350,7 +1350,7 @@
           <a:p>
             <a:fld id="{6735B5DE-0D4C-4221-96C9-7B2D51C2FE65}" type="datetimeFigureOut">
               <a:rPr lang="zh-CN" altLang="en-US" smtClean="0"/>
-              <a:t>2018/6/16</a:t>
+              <a:t>2018/6/19</a:t>
             </a:fld>
             <a:endParaRPr lang="zh-CN" altLang="en-US"/>
           </a:p>
@@ -1729,7 +1729,7 @@
           <a:p>
             <a:fld id="{6735B5DE-0D4C-4221-96C9-7B2D51C2FE65}" type="datetimeFigureOut">
               <a:rPr lang="zh-CN" altLang="en-US" smtClean="0"/>
-              <a:t>2018/6/16</a:t>
+              <a:t>2018/6/19</a:t>
             </a:fld>
             <a:endParaRPr lang="zh-CN" altLang="en-US"/>
           </a:p>
@@ -1859,7 +1859,7 @@
           <a:p>
             <a:fld id="{6735B5DE-0D4C-4221-96C9-7B2D51C2FE65}" type="datetimeFigureOut">
               <a:rPr lang="zh-CN" altLang="en-US" smtClean="0"/>
-              <a:t>2018/6/16</a:t>
+              <a:t>2018/6/19</a:t>
             </a:fld>
             <a:endParaRPr lang="zh-CN" altLang="en-US"/>
           </a:p>
@@ -1966,7 +1966,7 @@
           <a:p>
             <a:fld id="{6735B5DE-0D4C-4221-96C9-7B2D51C2FE65}" type="datetimeFigureOut">
               <a:rPr lang="zh-CN" altLang="en-US" smtClean="0"/>
-              <a:t>2018/6/16</a:t>
+              <a:t>2018/6/19</a:t>
             </a:fld>
             <a:endParaRPr lang="zh-CN" altLang="en-US"/>
           </a:p>
@@ -2255,7 +2255,7 @@
           <a:p>
             <a:fld id="{6735B5DE-0D4C-4221-96C9-7B2D51C2FE65}" type="datetimeFigureOut">
               <a:rPr lang="zh-CN" altLang="en-US" smtClean="0"/>
-              <a:t>2018/6/16</a:t>
+              <a:t>2018/6/19</a:t>
             </a:fld>
             <a:endParaRPr lang="zh-CN" altLang="en-US"/>
           </a:p>
@@ -2524,7 +2524,7 @@
           <a:p>
             <a:fld id="{6735B5DE-0D4C-4221-96C9-7B2D51C2FE65}" type="datetimeFigureOut">
               <a:rPr lang="zh-CN" altLang="en-US" smtClean="0"/>
-              <a:t>2018/6/16</a:t>
+              <a:t>2018/6/19</a:t>
             </a:fld>
             <a:endParaRPr lang="zh-CN" altLang="en-US"/>
           </a:p>
@@ -2749,7 +2749,7 @@
           <a:p>
             <a:fld id="{6735B5DE-0D4C-4221-96C9-7B2D51C2FE65}" type="datetimeFigureOut">
               <a:rPr lang="zh-CN" altLang="en-US" smtClean="0"/>
-              <a:t>2018/6/16</a:t>
+              <a:t>2018/6/19</a:t>
             </a:fld>
             <a:endParaRPr lang="zh-CN" altLang="en-US"/>
           </a:p>
@@ -3500,10 +3500,10 @@
       </p:sp>
       <p:pic>
         <p:nvPicPr>
-          <p:cNvPr id="2" name="图片 1">
+          <p:cNvPr id="4" name="图片 3">
             <a:extLst>
               <a:ext uri="{FF2B5EF4-FFF2-40B4-BE49-F238E27FC236}">
-                <a16:creationId xmlns:a16="http://schemas.microsoft.com/office/drawing/2014/main" id="{2910E8A9-A4BE-4159-BBA6-0AE1C677DB66}"/>
+                <a16:creationId xmlns:a16="http://schemas.microsoft.com/office/drawing/2014/main" id="{A4B79756-7E87-4AD7-900C-C12261796C26}"/>
               </a:ext>
             </a:extLst>
           </p:cNvPr>
@@ -3514,13 +3514,13 @@
         </p:nvPicPr>
         <p:blipFill rotWithShape="1">
           <a:blip r:embed="rId2"/>
-          <a:srcRect l="3407" t="14159" r="3733" b="11340"/>
+          <a:srcRect l="2674" t="25017" r="6176" b="6804"/>
           <a:stretch/>
         </p:blipFill>
         <p:spPr>
           <a:xfrm>
-            <a:off x="6529633" y="211871"/>
-            <a:ext cx="4471447" cy="6377698"/>
+            <a:off x="6297105" y="326494"/>
+            <a:ext cx="4666268" cy="6205011"/>
           </a:xfrm>
           <a:prstGeom prst="rect">
             <a:avLst/>
@@ -4603,7 +4603,7 @@
           <p:spPr>
             <a:xfrm>
               <a:off x="7230459" y="3917501"/>
-              <a:ext cx="5458119" cy="1477328"/>
+              <a:ext cx="5458119" cy="1754326"/>
             </a:xfrm>
             <a:prstGeom prst="rect">
               <a:avLst/>
@@ -4642,7 +4642,13 @@
             <a:p>
               <a:r>
                 <a:rPr lang="en-US" altLang="zh-CN" dirty="0"/>
-                <a:t>Bluetooth car making		---by a organization </a:t>
+                <a:t>Bluetooth car making		---by a organization</a:t>
+              </a:r>
+            </a:p>
+            <a:p>
+              <a:r>
+                <a:rPr lang="en-US" altLang="zh-CN" dirty="0"/>
+                <a:t>… </a:t>
               </a:r>
               <a:endParaRPr lang="zh-CN" altLang="en-US" dirty="0"/>
             </a:p>
@@ -6586,10 +6592,10 @@
         </p:nvGrpSpPr>
         <p:grpSpPr>
           <a:xfrm>
-            <a:off x="3598391" y="1699042"/>
-            <a:ext cx="2770798" cy="4226803"/>
-            <a:chOff x="3645668" y="1695768"/>
-            <a:chExt cx="2770798" cy="4226803"/>
+            <a:off x="2748305" y="1595224"/>
+            <a:ext cx="3827281" cy="3087343"/>
+            <a:chOff x="3139269" y="1695768"/>
+            <a:chExt cx="3827281" cy="2851861"/>
           </a:xfrm>
         </p:grpSpPr>
         <p:sp>
@@ -6606,8 +6612,8 @@
           </p:nvSpPr>
           <p:spPr>
             <a:xfrm>
-              <a:off x="3789590" y="2598451"/>
-              <a:ext cx="2533038" cy="834751"/>
+              <a:off x="3139269" y="2598451"/>
+              <a:ext cx="3827281" cy="834751"/>
             </a:xfrm>
             <a:custGeom>
               <a:avLst/>
@@ -6721,126 +6727,9 @@
               </a:pPr>
               <a:r>
                 <a:rPr lang="en-US" altLang="zh-CN" sz="3200" kern="1200" dirty="0"/>
-                <a:t>Club members</a:t>
+                <a:t>Limited time</a:t>
               </a:r>
-              <a:endParaRPr lang="zh-CN" altLang="en-US" sz="3200" kern="1200" dirty="0"/>
             </a:p>
-          </p:txBody>
-        </p:sp>
-        <p:sp>
-          <p:nvSpPr>
-            <p:cNvPr id="8" name="任意多边形: 形状 7">
-              <a:extLst>
-                <a:ext uri="{FF2B5EF4-FFF2-40B4-BE49-F238E27FC236}">
-                  <a16:creationId xmlns:a16="http://schemas.microsoft.com/office/drawing/2014/main" id="{33651EBC-2F5F-49C2-87CD-937997A513FA}"/>
-                </a:ext>
-              </a:extLst>
-            </p:cNvPr>
-            <p:cNvSpPr/>
-            <p:nvPr/>
-          </p:nvSpPr>
-          <p:spPr>
-            <a:xfrm>
-              <a:off x="3789590" y="4358654"/>
-              <a:ext cx="2533038" cy="1563917"/>
-            </a:xfrm>
-            <a:custGeom>
-              <a:avLst/>
-              <a:gdLst>
-                <a:gd name="connsiteX0" fmla="*/ 0 w 2533038"/>
-                <a:gd name="connsiteY0" fmla="*/ 0 h 1563917"/>
-                <a:gd name="connsiteX1" fmla="*/ 2533038 w 2533038"/>
-                <a:gd name="connsiteY1" fmla="*/ 0 h 1563917"/>
-                <a:gd name="connsiteX2" fmla="*/ 2533038 w 2533038"/>
-                <a:gd name="connsiteY2" fmla="*/ 1563917 h 1563917"/>
-                <a:gd name="connsiteX3" fmla="*/ 0 w 2533038"/>
-                <a:gd name="connsiteY3" fmla="*/ 1563917 h 1563917"/>
-                <a:gd name="connsiteX4" fmla="*/ 0 w 2533038"/>
-                <a:gd name="connsiteY4" fmla="*/ 0 h 1563917"/>
-              </a:gdLst>
-              <a:ahLst/>
-              <a:cxnLst>
-                <a:cxn ang="0">
-                  <a:pos x="connsiteX0" y="connsiteY0"/>
-                </a:cxn>
-                <a:cxn ang="0">
-                  <a:pos x="connsiteX1" y="connsiteY1"/>
-                </a:cxn>
-                <a:cxn ang="0">
-                  <a:pos x="connsiteX2" y="connsiteY2"/>
-                </a:cxn>
-                <a:cxn ang="0">
-                  <a:pos x="connsiteX3" y="connsiteY3"/>
-                </a:cxn>
-                <a:cxn ang="0">
-                  <a:pos x="connsiteX4" y="connsiteY4"/>
-                </a:cxn>
-              </a:cxnLst>
-              <a:rect l="l" t="t" r="r" b="b"/>
-              <a:pathLst>
-                <a:path w="2533038" h="1563917">
-                  <a:moveTo>
-                    <a:pt x="0" y="0"/>
-                  </a:moveTo>
-                  <a:lnTo>
-                    <a:pt x="2533038" y="0"/>
-                  </a:lnTo>
-                  <a:lnTo>
-                    <a:pt x="2533038" y="1563917"/>
-                  </a:lnTo>
-                  <a:lnTo>
-                    <a:pt x="0" y="1563917"/>
-                  </a:lnTo>
-                  <a:lnTo>
-                    <a:pt x="0" y="0"/>
-                  </a:lnTo>
-                  <a:close/>
-                </a:path>
-              </a:pathLst>
-            </a:custGeom>
-          </p:spPr>
-          <p:style>
-            <a:lnRef idx="0">
-              <a:schemeClr val="dk1">
-                <a:alpha val="0"/>
-                <a:hueOff val="0"/>
-                <a:satOff val="0"/>
-                <a:lumOff val="0"/>
-                <a:alphaOff val="0"/>
-              </a:schemeClr>
-            </a:lnRef>
-            <a:fillRef idx="0">
-              <a:schemeClr val="lt1">
-                <a:alpha val="0"/>
-                <a:hueOff val="0"/>
-                <a:satOff val="0"/>
-                <a:lumOff val="0"/>
-                <a:alphaOff val="0"/>
-              </a:schemeClr>
-            </a:fillRef>
-            <a:effectRef idx="0">
-              <a:schemeClr val="lt1">
-                <a:alpha val="0"/>
-                <a:hueOff val="0"/>
-                <a:satOff val="0"/>
-                <a:lumOff val="0"/>
-                <a:alphaOff val="0"/>
-              </a:schemeClr>
-            </a:effectRef>
-            <a:fontRef idx="minor">
-              <a:schemeClr val="tx1">
-                <a:hueOff val="0"/>
-                <a:satOff val="0"/>
-                <a:lumOff val="0"/>
-                <a:alphaOff val="0"/>
-              </a:schemeClr>
-            </a:fontRef>
-          </p:style>
-          <p:txBody>
-            <a:bodyPr spcFirstLastPara="0" vert="horz" wrap="square" lIns="40640" tIns="40640" rIns="40640" bIns="40640" numCol="1" spcCol="1270" anchor="ctr" anchorCtr="0">
-              <a:noAutofit/>
-            </a:bodyPr>
-            <a:lstStyle/>
             <a:p>
               <a:pPr marL="0" lvl="0" indent="0" algn="ctr" defTabSz="1422400">
                 <a:lnSpc>
@@ -6855,8 +6744,8 @@
                 <a:buNone/>
               </a:pPr>
               <a:r>
-                <a:rPr lang="en-US" altLang="zh-CN" sz="3200" kern="1200" dirty="0"/>
-                <a:t>Previous club</a:t>
+                <a:rPr lang="en-US" altLang="zh-CN" sz="3200" dirty="0"/>
+                <a:t>Unlimited knowledge</a:t>
               </a:r>
               <a:endParaRPr lang="zh-CN" altLang="en-US" sz="3200" kern="1200" dirty="0"/>
             </a:p>
@@ -6975,6 +6864,13 @@
               </a:schemeClr>
             </a:fontRef>
           </p:style>
+          <p:txBody>
+            <a:bodyPr/>
+            <a:lstStyle/>
+            <a:p>
+              <a:endParaRPr lang="zh-CN" altLang="en-US"/>
+            </a:p>
+          </p:txBody>
         </p:sp>
         <p:sp>
           <p:nvSpPr>
@@ -7467,7 +7363,7 @@
           </p:nvSpPr>
           <p:spPr>
             <a:xfrm>
-              <a:off x="3645668" y="3134419"/>
+              <a:off x="3646310" y="3471663"/>
               <a:ext cx="201491" cy="201491"/>
             </a:xfrm>
             <a:prstGeom prst="ellipse">
@@ -7509,6 +7405,13 @@
               </a:schemeClr>
             </a:fontRef>
           </p:style>
+          <p:txBody>
+            <a:bodyPr/>
+            <a:lstStyle/>
+            <a:p>
+              <a:endParaRPr lang="zh-CN" altLang="en-US"/>
+            </a:p>
+          </p:txBody>
         </p:sp>
         <p:sp>
           <p:nvSpPr>
@@ -7524,7 +7427,7 @@
           </p:nvSpPr>
           <p:spPr>
             <a:xfrm>
-              <a:off x="3814921" y="3388299"/>
+              <a:off x="3815563" y="3725543"/>
               <a:ext cx="316629" cy="316629"/>
             </a:xfrm>
             <a:prstGeom prst="ellipse">
@@ -7566,6 +7469,13 @@
               </a:schemeClr>
             </a:fontRef>
           </p:style>
+          <p:txBody>
+            <a:bodyPr/>
+            <a:lstStyle/>
+            <a:p>
+              <a:endParaRPr lang="zh-CN" altLang="en-US" dirty="0"/>
+            </a:p>
+          </p:txBody>
         </p:sp>
         <p:sp>
           <p:nvSpPr>
@@ -7581,7 +7491,7 @@
           </p:nvSpPr>
           <p:spPr>
             <a:xfrm>
-              <a:off x="4238053" y="3613969"/>
+              <a:off x="4238695" y="3951213"/>
               <a:ext cx="460552" cy="460552"/>
             </a:xfrm>
             <a:prstGeom prst="ellipse">
@@ -7645,7 +7555,7 @@
           </p:nvSpPr>
           <p:spPr>
             <a:xfrm>
-              <a:off x="4830439" y="3980684"/>
+              <a:off x="4831081" y="4317928"/>
               <a:ext cx="201491" cy="201491"/>
             </a:xfrm>
             <a:prstGeom prst="ellipse">
@@ -7687,6 +7597,13 @@
               </a:schemeClr>
             </a:fontRef>
           </p:style>
+          <p:txBody>
+            <a:bodyPr/>
+            <a:lstStyle/>
+            <a:p>
+              <a:endParaRPr lang="zh-CN" altLang="en-US"/>
+            </a:p>
+          </p:txBody>
         </p:sp>
         <p:sp>
           <p:nvSpPr>
@@ -7702,7 +7619,7 @@
           </p:nvSpPr>
           <p:spPr>
             <a:xfrm>
-              <a:off x="4943274" y="3613969"/>
+              <a:off x="4943916" y="3951214"/>
               <a:ext cx="316629" cy="316629"/>
             </a:xfrm>
             <a:prstGeom prst="ellipse">
@@ -7744,6 +7661,13 @@
               </a:schemeClr>
             </a:fontRef>
           </p:style>
+          <p:txBody>
+            <a:bodyPr/>
+            <a:lstStyle/>
+            <a:p>
+              <a:endParaRPr lang="zh-CN" altLang="en-US"/>
+            </a:p>
+          </p:txBody>
         </p:sp>
         <p:sp>
           <p:nvSpPr>
@@ -7759,7 +7683,7 @@
           </p:nvSpPr>
           <p:spPr>
             <a:xfrm>
-              <a:off x="5225363" y="4008893"/>
+              <a:off x="5226005" y="4346138"/>
               <a:ext cx="201491" cy="201491"/>
             </a:xfrm>
             <a:prstGeom prst="ellipse">
@@ -7816,7 +7740,7 @@
           </p:nvSpPr>
           <p:spPr>
             <a:xfrm>
-              <a:off x="5479242" y="3557552"/>
+              <a:off x="5479884" y="3894797"/>
               <a:ext cx="460552" cy="460552"/>
             </a:xfrm>
             <a:prstGeom prst="ellipse">
@@ -7858,6 +7782,13 @@
               </a:schemeClr>
             </a:fontRef>
           </p:style>
+          <p:txBody>
+            <a:bodyPr/>
+            <a:lstStyle/>
+            <a:p>
+              <a:endParaRPr lang="zh-CN" altLang="en-US"/>
+            </a:p>
+          </p:txBody>
         </p:sp>
         <p:sp>
           <p:nvSpPr>
@@ -7873,7 +7804,7 @@
           </p:nvSpPr>
           <p:spPr>
             <a:xfrm>
-              <a:off x="6099837" y="3444716"/>
+              <a:off x="6100479" y="3781961"/>
               <a:ext cx="316629" cy="316629"/>
             </a:xfrm>
             <a:prstGeom prst="ellipse">
@@ -8074,327 +8005,147 @@
           </p:txBody>
         </p:sp>
       </p:grpSp>
-      <p:grpSp>
-        <p:nvGrpSpPr>
-          <p:cNvPr id="33" name="组合 32">
+      <p:sp>
+        <p:nvSpPr>
+          <p:cNvPr id="29" name="任意多边形: 形状 28">
             <a:extLst>
               <a:ext uri="{FF2B5EF4-FFF2-40B4-BE49-F238E27FC236}">
-                <a16:creationId xmlns:a16="http://schemas.microsoft.com/office/drawing/2014/main" id="{D682FB46-B544-41DE-80D9-72A6FF24AC7F}"/>
+                <a16:creationId xmlns:a16="http://schemas.microsoft.com/office/drawing/2014/main" id="{2040A262-B2D0-47B7-8F2E-E706F68153C6}"/>
               </a:ext>
             </a:extLst>
           </p:cNvPr>
-          <p:cNvGrpSpPr/>
+          <p:cNvSpPr/>
           <p:nvPr/>
-        </p:nvGrpSpPr>
-        <p:grpSpPr>
+        </p:nvSpPr>
+        <p:spPr>
           <a:xfrm>
-            <a:off x="8107188" y="1992490"/>
-            <a:ext cx="2536082" cy="3930081"/>
-            <a:chOff x="8107188" y="1992490"/>
-            <a:chExt cx="2536082" cy="3930081"/>
+            <a:off x="8297394" y="1992490"/>
+            <a:ext cx="2155669" cy="2155669"/>
           </a:xfrm>
-        </p:grpSpPr>
-        <p:sp>
-          <p:nvSpPr>
-            <p:cNvPr id="29" name="任意多边形: 形状 28">
-              <a:extLst>
-                <a:ext uri="{FF2B5EF4-FFF2-40B4-BE49-F238E27FC236}">
-                  <a16:creationId xmlns:a16="http://schemas.microsoft.com/office/drawing/2014/main" id="{2040A262-B2D0-47B7-8F2E-E706F68153C6}"/>
-                </a:ext>
-              </a:extLst>
-            </p:cNvPr>
-            <p:cNvSpPr/>
-            <p:nvPr/>
-          </p:nvSpPr>
-          <p:spPr>
-            <a:xfrm>
-              <a:off x="8297394" y="1992490"/>
-              <a:ext cx="2155669" cy="2155669"/>
-            </a:xfrm>
-            <a:custGeom>
-              <a:avLst/>
-              <a:gdLst>
-                <a:gd name="connsiteX0" fmla="*/ 0 w 2155669"/>
-                <a:gd name="connsiteY0" fmla="*/ 1077835 h 2155669"/>
-                <a:gd name="connsiteX1" fmla="*/ 1077835 w 2155669"/>
-                <a:gd name="connsiteY1" fmla="*/ 0 h 2155669"/>
-                <a:gd name="connsiteX2" fmla="*/ 2155670 w 2155669"/>
-                <a:gd name="connsiteY2" fmla="*/ 1077835 h 2155669"/>
-                <a:gd name="connsiteX3" fmla="*/ 1077835 w 2155669"/>
-                <a:gd name="connsiteY3" fmla="*/ 2155670 h 2155669"/>
-                <a:gd name="connsiteX4" fmla="*/ 0 w 2155669"/>
-                <a:gd name="connsiteY4" fmla="*/ 1077835 h 2155669"/>
-              </a:gdLst>
-              <a:ahLst/>
-              <a:cxnLst>
-                <a:cxn ang="0">
-                  <a:pos x="connsiteX0" y="connsiteY0"/>
-                </a:cxn>
-                <a:cxn ang="0">
-                  <a:pos x="connsiteX1" y="connsiteY1"/>
-                </a:cxn>
-                <a:cxn ang="0">
-                  <a:pos x="connsiteX2" y="connsiteY2"/>
-                </a:cxn>
-                <a:cxn ang="0">
-                  <a:pos x="connsiteX3" y="connsiteY3"/>
-                </a:cxn>
-                <a:cxn ang="0">
-                  <a:pos x="connsiteX4" y="connsiteY4"/>
-                </a:cxn>
-              </a:cxnLst>
-              <a:rect l="l" t="t" r="r" b="b"/>
-              <a:pathLst>
-                <a:path w="2155669" h="2155669">
-                  <a:moveTo>
-                    <a:pt x="0" y="1077835"/>
-                  </a:moveTo>
-                  <a:cubicBezTo>
-                    <a:pt x="0" y="482563"/>
-                    <a:pt x="482563" y="0"/>
-                    <a:pt x="1077835" y="0"/>
-                  </a:cubicBezTo>
-                  <a:cubicBezTo>
-                    <a:pt x="1673107" y="0"/>
-                    <a:pt x="2155670" y="482563"/>
-                    <a:pt x="2155670" y="1077835"/>
-                  </a:cubicBezTo>
-                  <a:cubicBezTo>
-                    <a:pt x="2155670" y="1673107"/>
-                    <a:pt x="1673107" y="2155670"/>
-                    <a:pt x="1077835" y="2155670"/>
-                  </a:cubicBezTo>
-                  <a:cubicBezTo>
-                    <a:pt x="482563" y="2155670"/>
-                    <a:pt x="0" y="1673107"/>
-                    <a:pt x="0" y="1077835"/>
-                  </a:cubicBezTo>
-                  <a:close/>
-                </a:path>
-              </a:pathLst>
-            </a:custGeom>
-          </p:spPr>
-          <p:style>
-            <a:lnRef idx="2">
-              <a:schemeClr val="dk1">
-                <a:shade val="80000"/>
-                <a:hueOff val="0"/>
-                <a:satOff val="0"/>
-                <a:lumOff val="0"/>
-                <a:alphaOff val="0"/>
-              </a:schemeClr>
-            </a:lnRef>
-            <a:fillRef idx="1">
-              <a:schemeClr val="lt1">
-                <a:hueOff val="0"/>
-                <a:satOff val="0"/>
-                <a:lumOff val="0"/>
-                <a:alphaOff val="0"/>
-              </a:schemeClr>
-            </a:fillRef>
-            <a:effectRef idx="0">
-              <a:schemeClr val="lt1">
-                <a:hueOff val="0"/>
-                <a:satOff val="0"/>
-                <a:lumOff val="0"/>
-                <a:alphaOff val="0"/>
-              </a:schemeClr>
-            </a:effectRef>
-            <a:fontRef idx="minor">
-              <a:schemeClr val="dk1">
-                <a:hueOff val="0"/>
-                <a:satOff val="0"/>
-                <a:lumOff val="0"/>
-                <a:alphaOff val="0"/>
-              </a:schemeClr>
-            </a:fontRef>
-          </p:style>
-          <p:txBody>
-            <a:bodyPr spcFirstLastPara="0" vert="horz" wrap="square" lIns="315690" tIns="315690" rIns="315690" bIns="315690" numCol="1" spcCol="1270" anchor="ctr" anchorCtr="0">
-              <a:noAutofit/>
-            </a:bodyPr>
-            <a:lstStyle/>
-            <a:p>
-              <a:pPr marL="0" lvl="0" indent="0" algn="ctr" defTabSz="1422400">
-                <a:lnSpc>
-                  <a:spcPct val="90000"/>
-                </a:lnSpc>
-                <a:spcBef>
-                  <a:spcPct val="0"/>
-                </a:spcBef>
-                <a:spcAft>
-                  <a:spcPct val="35000"/>
-                </a:spcAft>
-                <a:buNone/>
-              </a:pPr>
-              <a:r>
-                <a:rPr lang="en-US" altLang="zh-CN" sz="3200" kern="1200" dirty="0"/>
-                <a:t>Club</a:t>
-              </a:r>
-              <a:endParaRPr lang="zh-CN" altLang="en-US" sz="3200" kern="1200" dirty="0"/>
-            </a:p>
-          </p:txBody>
-        </p:sp>
-        <p:sp>
-          <p:nvSpPr>
-            <p:cNvPr id="30" name="任意多边形: 形状 29">
-              <a:extLst>
-                <a:ext uri="{FF2B5EF4-FFF2-40B4-BE49-F238E27FC236}">
-                  <a16:creationId xmlns:a16="http://schemas.microsoft.com/office/drawing/2014/main" id="{3A62B652-9794-4B07-B783-9DF7A66095E4}"/>
-                </a:ext>
-              </a:extLst>
-            </p:cNvPr>
-            <p:cNvSpPr/>
-            <p:nvPr/>
-          </p:nvSpPr>
-          <p:spPr>
-            <a:xfrm>
-              <a:off x="8107188" y="4358654"/>
-              <a:ext cx="2536082" cy="1563917"/>
-            </a:xfrm>
-            <a:custGeom>
-              <a:avLst/>
-              <a:gdLst>
-                <a:gd name="connsiteX0" fmla="*/ 0 w 2536082"/>
-                <a:gd name="connsiteY0" fmla="*/ 0 h 1563917"/>
-                <a:gd name="connsiteX1" fmla="*/ 2536082 w 2536082"/>
-                <a:gd name="connsiteY1" fmla="*/ 0 h 1563917"/>
-                <a:gd name="connsiteX2" fmla="*/ 2536082 w 2536082"/>
-                <a:gd name="connsiteY2" fmla="*/ 1563917 h 1563917"/>
-                <a:gd name="connsiteX3" fmla="*/ 0 w 2536082"/>
-                <a:gd name="connsiteY3" fmla="*/ 1563917 h 1563917"/>
-                <a:gd name="connsiteX4" fmla="*/ 0 w 2536082"/>
-                <a:gd name="connsiteY4" fmla="*/ 0 h 1563917"/>
-              </a:gdLst>
-              <a:ahLst/>
-              <a:cxnLst>
-                <a:cxn ang="0">
-                  <a:pos x="connsiteX0" y="connsiteY0"/>
-                </a:cxn>
-                <a:cxn ang="0">
-                  <a:pos x="connsiteX1" y="connsiteY1"/>
-                </a:cxn>
-                <a:cxn ang="0">
-                  <a:pos x="connsiteX2" y="connsiteY2"/>
-                </a:cxn>
-                <a:cxn ang="0">
-                  <a:pos x="connsiteX3" y="connsiteY3"/>
-                </a:cxn>
-                <a:cxn ang="0">
-                  <a:pos x="connsiteX4" y="connsiteY4"/>
-                </a:cxn>
-              </a:cxnLst>
-              <a:rect l="l" t="t" r="r" b="b"/>
-              <a:pathLst>
-                <a:path w="2536082" h="1563917">
-                  <a:moveTo>
-                    <a:pt x="0" y="0"/>
-                  </a:moveTo>
-                  <a:lnTo>
-                    <a:pt x="2536082" y="0"/>
-                  </a:lnTo>
-                  <a:lnTo>
-                    <a:pt x="2536082" y="1563917"/>
-                  </a:lnTo>
-                  <a:lnTo>
-                    <a:pt x="0" y="1563917"/>
-                  </a:lnTo>
-                  <a:lnTo>
-                    <a:pt x="0" y="0"/>
-                  </a:lnTo>
-                  <a:close/>
-                </a:path>
-              </a:pathLst>
-            </a:custGeom>
-          </p:spPr>
-          <p:style>
-            <a:lnRef idx="0">
-              <a:schemeClr val="dk1">
-                <a:alpha val="0"/>
-                <a:hueOff val="0"/>
-                <a:satOff val="0"/>
-                <a:lumOff val="0"/>
-                <a:alphaOff val="0"/>
-              </a:schemeClr>
-            </a:lnRef>
-            <a:fillRef idx="0">
-              <a:schemeClr val="lt1">
-                <a:alpha val="0"/>
-                <a:hueOff val="0"/>
-                <a:satOff val="0"/>
-                <a:lumOff val="0"/>
-                <a:alphaOff val="0"/>
-              </a:schemeClr>
-            </a:fillRef>
-            <a:effectRef idx="0">
-              <a:schemeClr val="lt1">
-                <a:alpha val="0"/>
-                <a:hueOff val="0"/>
-                <a:satOff val="0"/>
-                <a:lumOff val="0"/>
-                <a:alphaOff val="0"/>
-              </a:schemeClr>
-            </a:effectRef>
-            <a:fontRef idx="minor">
-              <a:schemeClr val="tx1">
-                <a:hueOff val="0"/>
-                <a:satOff val="0"/>
-                <a:lumOff val="0"/>
-                <a:alphaOff val="0"/>
-              </a:schemeClr>
-            </a:fontRef>
-          </p:style>
-          <p:txBody>
-            <a:bodyPr spcFirstLastPara="0" vert="horz" wrap="square" lIns="40640" tIns="40640" rIns="40640" bIns="40640" numCol="1" spcCol="1270" anchor="ctr" anchorCtr="0">
-              <a:noAutofit/>
-            </a:bodyPr>
-            <a:lstStyle/>
-            <a:p>
-              <a:pPr marL="0" lvl="0" indent="0" algn="ctr" defTabSz="1422400">
-                <a:lnSpc>
-                  <a:spcPct val="90000"/>
-                </a:lnSpc>
-                <a:spcBef>
-                  <a:spcPct val="0"/>
-                </a:spcBef>
-                <a:spcAft>
-                  <a:spcPct val="35000"/>
-                </a:spcAft>
-                <a:buNone/>
-              </a:pPr>
-              <a:r>
-                <a:rPr lang="en-US" altLang="zh-CN" sz="3200" kern="1200" dirty="0">
-                  <a:solidFill>
-                    <a:prstClr val="white">
-                      <a:hueOff val="0"/>
-                      <a:satOff val="0"/>
-                      <a:lumOff val="0"/>
-                      <a:alphaOff val="0"/>
-                    </a:prstClr>
-                  </a:solidFill>
-                  <a:latin typeface="Calibri" panose="020F0502020204030204"/>
-                  <a:ea typeface="等线" panose="02010600030101010101" pitchFamily="2" charset="-122"/>
-                  <a:cs typeface="+mn-cs"/>
-                </a:rPr>
-                <a:t>Future club</a:t>
-              </a:r>
-              <a:endParaRPr lang="zh-CN" altLang="en-US" sz="3200" kern="1200" dirty="0">
-                <a:solidFill>
-                  <a:prstClr val="white">
-                    <a:hueOff val="0"/>
-                    <a:satOff val="0"/>
-                    <a:lumOff val="0"/>
-                    <a:alphaOff val="0"/>
-                  </a:prstClr>
-                </a:solidFill>
-                <a:latin typeface="Calibri" panose="020F0502020204030204"/>
-                <a:ea typeface="等线" panose="02010600030101010101" pitchFamily="2" charset="-122"/>
-                <a:cs typeface="+mn-cs"/>
-              </a:endParaRPr>
-            </a:p>
-          </p:txBody>
-        </p:sp>
-      </p:grpSp>
+          <a:custGeom>
+            <a:avLst/>
+            <a:gdLst>
+              <a:gd name="connsiteX0" fmla="*/ 0 w 2155669"/>
+              <a:gd name="connsiteY0" fmla="*/ 1077835 h 2155669"/>
+              <a:gd name="connsiteX1" fmla="*/ 1077835 w 2155669"/>
+              <a:gd name="connsiteY1" fmla="*/ 0 h 2155669"/>
+              <a:gd name="connsiteX2" fmla="*/ 2155670 w 2155669"/>
+              <a:gd name="connsiteY2" fmla="*/ 1077835 h 2155669"/>
+              <a:gd name="connsiteX3" fmla="*/ 1077835 w 2155669"/>
+              <a:gd name="connsiteY3" fmla="*/ 2155670 h 2155669"/>
+              <a:gd name="connsiteX4" fmla="*/ 0 w 2155669"/>
+              <a:gd name="connsiteY4" fmla="*/ 1077835 h 2155669"/>
+            </a:gdLst>
+            <a:ahLst/>
+            <a:cxnLst>
+              <a:cxn ang="0">
+                <a:pos x="connsiteX0" y="connsiteY0"/>
+              </a:cxn>
+              <a:cxn ang="0">
+                <a:pos x="connsiteX1" y="connsiteY1"/>
+              </a:cxn>
+              <a:cxn ang="0">
+                <a:pos x="connsiteX2" y="connsiteY2"/>
+              </a:cxn>
+              <a:cxn ang="0">
+                <a:pos x="connsiteX3" y="connsiteY3"/>
+              </a:cxn>
+              <a:cxn ang="0">
+                <a:pos x="connsiteX4" y="connsiteY4"/>
+              </a:cxn>
+            </a:cxnLst>
+            <a:rect l="l" t="t" r="r" b="b"/>
+            <a:pathLst>
+              <a:path w="2155669" h="2155669">
+                <a:moveTo>
+                  <a:pt x="0" y="1077835"/>
+                </a:moveTo>
+                <a:cubicBezTo>
+                  <a:pt x="0" y="482563"/>
+                  <a:pt x="482563" y="0"/>
+                  <a:pt x="1077835" y="0"/>
+                </a:cubicBezTo>
+                <a:cubicBezTo>
+                  <a:pt x="1673107" y="0"/>
+                  <a:pt x="2155670" y="482563"/>
+                  <a:pt x="2155670" y="1077835"/>
+                </a:cubicBezTo>
+                <a:cubicBezTo>
+                  <a:pt x="2155670" y="1673107"/>
+                  <a:pt x="1673107" y="2155670"/>
+                  <a:pt x="1077835" y="2155670"/>
+                </a:cubicBezTo>
+                <a:cubicBezTo>
+                  <a:pt x="482563" y="2155670"/>
+                  <a:pt x="0" y="1673107"/>
+                  <a:pt x="0" y="1077835"/>
+                </a:cubicBezTo>
+                <a:close/>
+              </a:path>
+            </a:pathLst>
+          </a:custGeom>
+        </p:spPr>
+        <p:style>
+          <a:lnRef idx="2">
+            <a:schemeClr val="dk1">
+              <a:shade val="80000"/>
+              <a:hueOff val="0"/>
+              <a:satOff val="0"/>
+              <a:lumOff val="0"/>
+              <a:alphaOff val="0"/>
+            </a:schemeClr>
+          </a:lnRef>
+          <a:fillRef idx="1">
+            <a:schemeClr val="lt1">
+              <a:hueOff val="0"/>
+              <a:satOff val="0"/>
+              <a:lumOff val="0"/>
+              <a:alphaOff val="0"/>
+            </a:schemeClr>
+          </a:fillRef>
+          <a:effectRef idx="0">
+            <a:schemeClr val="lt1">
+              <a:hueOff val="0"/>
+              <a:satOff val="0"/>
+              <a:lumOff val="0"/>
+              <a:alphaOff val="0"/>
+            </a:schemeClr>
+          </a:effectRef>
+          <a:fontRef idx="minor">
+            <a:schemeClr val="dk1">
+              <a:hueOff val="0"/>
+              <a:satOff val="0"/>
+              <a:lumOff val="0"/>
+              <a:alphaOff val="0"/>
+            </a:schemeClr>
+          </a:fontRef>
+        </p:style>
+        <p:txBody>
+          <a:bodyPr spcFirstLastPara="0" vert="horz" wrap="square" lIns="315690" tIns="315690" rIns="315690" bIns="315690" numCol="1" spcCol="1270" anchor="ctr" anchorCtr="0">
+            <a:noAutofit/>
+          </a:bodyPr>
+          <a:lstStyle/>
+          <a:p>
+            <a:pPr marL="0" lvl="0" indent="0" algn="ctr" defTabSz="1422400">
+              <a:lnSpc>
+                <a:spcPct val="90000"/>
+              </a:lnSpc>
+              <a:spcBef>
+                <a:spcPct val="0"/>
+              </a:spcBef>
+              <a:spcAft>
+                <a:spcPct val="35000"/>
+              </a:spcAft>
+              <a:buNone/>
+            </a:pPr>
+            <a:r>
+              <a:rPr lang="en-US" altLang="zh-CN" sz="3200" kern="1200" dirty="0"/>
+              <a:t>More people</a:t>
+            </a:r>
+            <a:endParaRPr lang="zh-CN" altLang="en-US" sz="3200" kern="1200" dirty="0"/>
+          </a:p>
+        </p:txBody>
+      </p:sp>
     </p:spTree>
     <p:extLst>
       <p:ext uri="{BB962C8B-B14F-4D97-AF65-F5344CB8AC3E}">
@@ -8618,7 +8369,7 @@
                             </p:stCondLst>
                             <p:childTnLst>
                               <p:par>
-                                <p:cTn id="17" presetID="42" presetClass="entr" presetSubtype="0" fill="hold" nodeType="afterEffect">
+                                <p:cTn id="17" presetID="42" presetClass="entr" presetSubtype="0" fill="hold" grpId="0" nodeType="afterEffect">
                                   <p:stCondLst>
                                     <p:cond delay="0"/>
                                   </p:stCondLst>
@@ -8631,7 +8382,7 @@
                                           </p:stCondLst>
                                         </p:cTn>
                                         <p:tgtEl>
-                                          <p:spTgt spid="33"/>
+                                          <p:spTgt spid="29"/>
                                         </p:tgtEl>
                                         <p:attrNameLst>
                                           <p:attrName>style.visibility</p:attrName>
@@ -8645,7 +8396,7 @@
                                       <p:cBhvr>
                                         <p:cTn id="19" dur="1000"/>
                                         <p:tgtEl>
-                                          <p:spTgt spid="33"/>
+                                          <p:spTgt spid="29"/>
                                         </p:tgtEl>
                                       </p:cBhvr>
                                     </p:animEffect>
@@ -8653,7 +8404,7 @@
                                       <p:cBhvr>
                                         <p:cTn id="20" dur="1000" fill="hold"/>
                                         <p:tgtEl>
-                                          <p:spTgt spid="33"/>
+                                          <p:spTgt spid="29"/>
                                         </p:tgtEl>
                                         <p:attrNameLst>
                                           <p:attrName>ppt_x</p:attrName>
@@ -8676,7 +8427,7 @@
                                       <p:cBhvr>
                                         <p:cTn id="21" dur="1000" fill="hold"/>
                                         <p:tgtEl>
-                                          <p:spTgt spid="33"/>
+                                          <p:spTgt spid="29"/>
                                         </p:tgtEl>
                                         <p:attrNameLst>
                                           <p:attrName>ppt_y</p:attrName>
@@ -8725,6 +8476,9 @@
         </p:cTn>
       </p:par>
     </p:tnLst>
+    <p:bldLst>
+      <p:bldP spid="29" grpId="0" animBg="1"/>
+    </p:bldLst>
   </p:timing>
 </p:sld>
 </file>

--- a/presentation/campaign presentation.pptx
+++ b/presentation/campaign presentation.pptx
@@ -15,8 +15,8 @@
     <p:sldId id="261" r:id="rId9"/>
     <p:sldId id="262" r:id="rId10"/>
     <p:sldId id="263" r:id="rId11"/>
-    <p:sldId id="267" r:id="rId12"/>
-    <p:sldId id="270" r:id="rId13"/>
+    <p:sldId id="270" r:id="rId12"/>
+    <p:sldId id="267" r:id="rId13"/>
     <p:sldId id="269" r:id="rId14"/>
     <p:sldId id="273" r:id="rId15"/>
     <p:sldId id="264" r:id="rId16"/>
@@ -141,8 +141,8 @@
         </p14:section>
         <p14:section name="Competition Advantage" id="{C3AC0BEF-6390-422A-B333-AB227DD24861}">
           <p14:sldIdLst>
+            <p14:sldId id="270"/>
             <p14:sldId id="267"/>
-            <p14:sldId id="270"/>
             <p14:sldId id="269"/>
           </p14:sldIdLst>
         </p14:section>
@@ -292,7 +292,7 @@
           <a:p>
             <a:fld id="{6735B5DE-0D4C-4221-96C9-7B2D51C2FE65}" type="datetimeFigureOut">
               <a:rPr lang="zh-CN" altLang="en-US" smtClean="0"/>
-              <a:t>2018/6/19</a:t>
+              <a:t>2018/6/21</a:t>
             </a:fld>
             <a:endParaRPr lang="zh-CN" altLang="en-US"/>
           </a:p>
@@ -474,7 +474,7 @@
           <a:p>
             <a:fld id="{6735B5DE-0D4C-4221-96C9-7B2D51C2FE65}" type="datetimeFigureOut">
               <a:rPr lang="zh-CN" altLang="en-US" smtClean="0"/>
-              <a:t>2018/6/19</a:t>
+              <a:t>2018/6/21</a:t>
             </a:fld>
             <a:endParaRPr lang="zh-CN" altLang="en-US"/>
           </a:p>
@@ -666,7 +666,7 @@
           <a:p>
             <a:fld id="{6735B5DE-0D4C-4221-96C9-7B2D51C2FE65}" type="datetimeFigureOut">
               <a:rPr lang="zh-CN" altLang="en-US" smtClean="0"/>
-              <a:t>2018/6/19</a:t>
+              <a:t>2018/6/21</a:t>
             </a:fld>
             <a:endParaRPr lang="zh-CN" altLang="en-US"/>
           </a:p>
@@ -848,7 +848,7 @@
           <a:p>
             <a:fld id="{6735B5DE-0D4C-4221-96C9-7B2D51C2FE65}" type="datetimeFigureOut">
               <a:rPr lang="zh-CN" altLang="en-US" smtClean="0"/>
-              <a:t>2018/6/19</a:t>
+              <a:t>2018/6/21</a:t>
             </a:fld>
             <a:endParaRPr lang="zh-CN" altLang="en-US"/>
           </a:p>
@@ -1106,7 +1106,7 @@
           <a:p>
             <a:fld id="{6735B5DE-0D4C-4221-96C9-7B2D51C2FE65}" type="datetimeFigureOut">
               <a:rPr lang="zh-CN" altLang="en-US" smtClean="0"/>
-              <a:t>2018/6/19</a:t>
+              <a:t>2018/6/21</a:t>
             </a:fld>
             <a:endParaRPr lang="zh-CN" altLang="en-US"/>
           </a:p>
@@ -1350,7 +1350,7 @@
           <a:p>
             <a:fld id="{6735B5DE-0D4C-4221-96C9-7B2D51C2FE65}" type="datetimeFigureOut">
               <a:rPr lang="zh-CN" altLang="en-US" smtClean="0"/>
-              <a:t>2018/6/19</a:t>
+              <a:t>2018/6/21</a:t>
             </a:fld>
             <a:endParaRPr lang="zh-CN" altLang="en-US"/>
           </a:p>
@@ -1729,7 +1729,7 @@
           <a:p>
             <a:fld id="{6735B5DE-0D4C-4221-96C9-7B2D51C2FE65}" type="datetimeFigureOut">
               <a:rPr lang="zh-CN" altLang="en-US" smtClean="0"/>
-              <a:t>2018/6/19</a:t>
+              <a:t>2018/6/21</a:t>
             </a:fld>
             <a:endParaRPr lang="zh-CN" altLang="en-US"/>
           </a:p>
@@ -1859,7 +1859,7 @@
           <a:p>
             <a:fld id="{6735B5DE-0D4C-4221-96C9-7B2D51C2FE65}" type="datetimeFigureOut">
               <a:rPr lang="zh-CN" altLang="en-US" smtClean="0"/>
-              <a:t>2018/6/19</a:t>
+              <a:t>2018/6/21</a:t>
             </a:fld>
             <a:endParaRPr lang="zh-CN" altLang="en-US"/>
           </a:p>
@@ -1966,7 +1966,7 @@
           <a:p>
             <a:fld id="{6735B5DE-0D4C-4221-96C9-7B2D51C2FE65}" type="datetimeFigureOut">
               <a:rPr lang="zh-CN" altLang="en-US" smtClean="0"/>
-              <a:t>2018/6/19</a:t>
+              <a:t>2018/6/21</a:t>
             </a:fld>
             <a:endParaRPr lang="zh-CN" altLang="en-US"/>
           </a:p>
@@ -2255,7 +2255,7 @@
           <a:p>
             <a:fld id="{6735B5DE-0D4C-4221-96C9-7B2D51C2FE65}" type="datetimeFigureOut">
               <a:rPr lang="zh-CN" altLang="en-US" smtClean="0"/>
-              <a:t>2018/6/19</a:t>
+              <a:t>2018/6/21</a:t>
             </a:fld>
             <a:endParaRPr lang="zh-CN" altLang="en-US"/>
           </a:p>
@@ -2524,7 +2524,7 @@
           <a:p>
             <a:fld id="{6735B5DE-0D4C-4221-96C9-7B2D51C2FE65}" type="datetimeFigureOut">
               <a:rPr lang="zh-CN" altLang="en-US" smtClean="0"/>
-              <a:t>2018/6/19</a:t>
+              <a:t>2018/6/21</a:t>
             </a:fld>
             <a:endParaRPr lang="zh-CN" altLang="en-US"/>
           </a:p>
@@ -2749,7 +2749,7 @@
           <a:p>
             <a:fld id="{6735B5DE-0D4C-4221-96C9-7B2D51C2FE65}" type="datetimeFigureOut">
               <a:rPr lang="zh-CN" altLang="en-US" smtClean="0"/>
-              <a:t>2018/6/19</a:t>
+              <a:t>2018/6/21</a:t>
             </a:fld>
             <a:endParaRPr lang="zh-CN" altLang="en-US"/>
           </a:p>
@@ -3223,6 +3223,20 @@
             <a:off x="0" y="512762"/>
             <a:ext cx="12192000" cy="2387600"/>
           </a:xfrm>
+          <a:effectLst>
+            <a:innerShdw blurRad="63500" dist="50800" dir="16200000">
+              <a:prstClr val="black">
+                <a:alpha val="50000"/>
+              </a:prstClr>
+            </a:innerShdw>
+          </a:effectLst>
+          <a:scene3d>
+            <a:camera prst="orthographicFront"/>
+            <a:lightRig rig="threePt" dir="t"/>
+          </a:scene3d>
+          <a:sp3d>
+            <a:bevelT prst="relaxedInset"/>
+          </a:sp3d>
         </p:spPr>
         <p:txBody>
           <a:bodyPr>
@@ -3231,10 +3245,28 @@
           <a:lstStyle/>
           <a:p>
             <a:r>
-              <a:rPr lang="en-US" altLang="zh-CN" sz="5400" b="1" dirty="0"/>
+              <a:rPr lang="en-US" altLang="zh-CN" sz="5400" b="1" dirty="0">
+                <a:ln w="0"/>
+                <a:effectLst>
+                  <a:outerShdw blurRad="38100" dist="19050" dir="2700000" algn="tl" rotWithShape="0">
+                    <a:schemeClr val="dk1">
+                      <a:alpha val="40000"/>
+                    </a:schemeClr>
+                  </a:outerShdw>
+                </a:effectLst>
+              </a:rPr>
               <a:t>MAKE COMPUTER SCIENCE GREAT AGAIN</a:t>
             </a:r>
-            <a:endParaRPr lang="zh-CN" altLang="en-US" sz="5400" b="1" dirty="0"/>
+            <a:endParaRPr lang="zh-CN" altLang="en-US" sz="5400" b="1" dirty="0">
+              <a:ln w="0"/>
+              <a:effectLst>
+                <a:outerShdw blurRad="38100" dist="19050" dir="2700000" algn="tl" rotWithShape="0">
+                  <a:schemeClr val="dk1">
+                    <a:alpha val="40000"/>
+                  </a:schemeClr>
+                </a:outerShdw>
+              </a:effectLst>
+            </a:endParaRPr>
           </a:p>
         </p:txBody>
       </p:sp>
@@ -3386,10 +3418,10 @@
       </p:grpSp>
       <p:pic>
         <p:nvPicPr>
-          <p:cNvPr id="8" name="图片 7">
+          <p:cNvPr id="6" name="图片 5">
             <a:extLst>
               <a:ext uri="{FF2B5EF4-FFF2-40B4-BE49-F238E27FC236}">
-                <a16:creationId xmlns:a16="http://schemas.microsoft.com/office/drawing/2014/main" id="{3E67994E-6C3B-4831-BEE2-F6EE2907CD1A}"/>
+                <a16:creationId xmlns:a16="http://schemas.microsoft.com/office/drawing/2014/main" id="{4F8ACD12-AB4F-4459-AF8B-6B973214496E}"/>
               </a:ext>
             </a:extLst>
           </p:cNvPr>
@@ -3400,13 +3432,13 @@
         </p:nvPicPr>
         <p:blipFill rotWithShape="1">
           <a:blip r:embed="rId4"/>
-          <a:srcRect l="4500" t="26370" r="7250" b="50000"/>
+          <a:srcRect l="18389" t="23744" r="18338" b="63610"/>
           <a:stretch/>
         </p:blipFill>
         <p:spPr>
           <a:xfrm>
-            <a:off x="2586105" y="2900361"/>
-            <a:ext cx="7019790" cy="1057277"/>
+            <a:off x="2243579" y="3090373"/>
+            <a:ext cx="7714220" cy="867266"/>
           </a:xfrm>
           <a:prstGeom prst="rect">
             <a:avLst/>
@@ -3553,755 +3585,6 @@
 </file>
 
 <file path=ppt/slides/slide11.xml><?xml version="1.0" encoding="utf-8"?>
-<p:sld xmlns:a="http://schemas.openxmlformats.org/drawingml/2006/main" xmlns:r="http://schemas.openxmlformats.org/officeDocument/2006/relationships" xmlns:p="http://schemas.openxmlformats.org/presentationml/2006/main">
-  <p:cSld>
-    <p:spTree>
-      <p:nvGrpSpPr>
-        <p:cNvPr id="1" name=""/>
-        <p:cNvGrpSpPr/>
-        <p:nvPr/>
-      </p:nvGrpSpPr>
-      <p:grpSpPr>
-        <a:xfrm>
-          <a:off x="0" y="0"/>
-          <a:ext cx="0" cy="0"/>
-          <a:chOff x="0" y="0"/>
-          <a:chExt cx="0" cy="0"/>
-        </a:xfrm>
-      </p:grpSpPr>
-      <p:sp>
-        <p:nvSpPr>
-          <p:cNvPr id="5" name="矩形 4">
-            <a:extLst>
-              <a:ext uri="{FF2B5EF4-FFF2-40B4-BE49-F238E27FC236}">
-                <a16:creationId xmlns:a16="http://schemas.microsoft.com/office/drawing/2014/main" id="{D2CE77AC-E3B4-4314-80A0-C4DB51C38C02}"/>
-              </a:ext>
-            </a:extLst>
-          </p:cNvPr>
-          <p:cNvSpPr/>
-          <p:nvPr/>
-        </p:nvSpPr>
-        <p:spPr>
-          <a:xfrm>
-            <a:off x="1711848" y="380917"/>
-            <a:ext cx="6982809" cy="923330"/>
-          </a:xfrm>
-          <a:prstGeom prst="rect">
-            <a:avLst/>
-          </a:prstGeom>
-          <a:noFill/>
-        </p:spPr>
-        <p:txBody>
-          <a:bodyPr wrap="none" lIns="91440" tIns="45720" rIns="91440" bIns="45720">
-            <a:spAutoFit/>
-          </a:bodyPr>
-          <a:lstStyle/>
-          <a:p>
-            <a:pPr algn="ctr"/>
-            <a:r>
-              <a:rPr lang="en-US" altLang="zh-CN" sz="5400" b="1" cap="none" spc="0" dirty="0">
-                <a:ln w="9525">
-                  <a:solidFill>
-                    <a:schemeClr val="bg1"/>
-                  </a:solidFill>
-                  <a:prstDash val="solid"/>
-                </a:ln>
-                <a:solidFill>
-                  <a:schemeClr val="tx1"/>
-                </a:solidFill>
-                <a:effectLst>
-                  <a:outerShdw blurRad="12700" dist="38100" dir="2700000" algn="tl" rotWithShape="0">
-                    <a:schemeClr val="bg1">
-                      <a:lumMod val="50000"/>
-                    </a:schemeClr>
-                  </a:outerShdw>
-                </a:effectLst>
-              </a:rPr>
-              <a:t>Competit</a:t>
-            </a:r>
-            <a:r>
-              <a:rPr lang="en-US" altLang="zh-CN" sz="5400" b="1" dirty="0">
-                <a:ln w="9525">
-                  <a:solidFill>
-                    <a:schemeClr val="bg1"/>
-                  </a:solidFill>
-                  <a:prstDash val="solid"/>
-                </a:ln>
-                <a:effectLst>
-                  <a:outerShdw blurRad="12700" dist="38100" dir="2700000" algn="tl" rotWithShape="0">
-                    <a:schemeClr val="bg1">
-                      <a:lumMod val="50000"/>
-                    </a:schemeClr>
-                  </a:outerShdw>
-                </a:effectLst>
-              </a:rPr>
-              <a:t>ion Advantage</a:t>
-            </a:r>
-            <a:endParaRPr lang="zh-CN" altLang="en-US" sz="5400" b="1" cap="none" spc="0" dirty="0">
-              <a:ln w="9525">
-                <a:solidFill>
-                  <a:schemeClr val="bg1"/>
-                </a:solidFill>
-                <a:prstDash val="solid"/>
-              </a:ln>
-              <a:solidFill>
-                <a:schemeClr val="tx1"/>
-              </a:solidFill>
-              <a:effectLst>
-                <a:outerShdw blurRad="12700" dist="38100" dir="2700000" algn="tl" rotWithShape="0">
-                  <a:schemeClr val="bg1">
-                    <a:lumMod val="50000"/>
-                  </a:schemeClr>
-                </a:outerShdw>
-              </a:effectLst>
-            </a:endParaRPr>
-          </a:p>
-        </p:txBody>
-      </p:sp>
-      <p:grpSp>
-        <p:nvGrpSpPr>
-          <p:cNvPr id="11" name="组合 10">
-            <a:extLst>
-              <a:ext uri="{FF2B5EF4-FFF2-40B4-BE49-F238E27FC236}">
-                <a16:creationId xmlns:a16="http://schemas.microsoft.com/office/drawing/2014/main" id="{33D6B921-2963-4843-824C-BCB7A1442F86}"/>
-              </a:ext>
-            </a:extLst>
-          </p:cNvPr>
-          <p:cNvGrpSpPr/>
-          <p:nvPr/>
-        </p:nvGrpSpPr>
-        <p:grpSpPr>
-          <a:xfrm>
-            <a:off x="914403" y="1304247"/>
-            <a:ext cx="3817856" cy="3905473"/>
-            <a:chOff x="914403" y="1304247"/>
-            <a:chExt cx="3817856" cy="3905473"/>
-          </a:xfrm>
-        </p:grpSpPr>
-        <p:pic>
-          <p:nvPicPr>
-            <p:cNvPr id="4" name="图片 3">
-              <a:extLst>
-                <a:ext uri="{FF2B5EF4-FFF2-40B4-BE49-F238E27FC236}">
-                  <a16:creationId xmlns:a16="http://schemas.microsoft.com/office/drawing/2014/main" id="{9C53770C-06AC-44DB-B198-A6256BFD0782}"/>
-                </a:ext>
-              </a:extLst>
-            </p:cNvPr>
-            <p:cNvPicPr>
-              <a:picLocks noChangeAspect="1"/>
-            </p:cNvPicPr>
-            <p:nvPr/>
-          </p:nvPicPr>
-          <p:blipFill rotWithShape="1">
-            <a:blip r:embed="rId2">
-              <a:clrChange>
-                <a:clrFrom>
-                  <a:srgbClr val="313344"/>
-                </a:clrFrom>
-                <a:clrTo>
-                  <a:srgbClr val="313344">
-                    <a:alpha val="0"/>
-                  </a:srgbClr>
-                </a:clrTo>
-              </a:clrChange>
-            </a:blip>
-            <a:srcRect l="4794" t="36551" r="71160" b="31409"/>
-            <a:stretch/>
-          </p:blipFill>
-          <p:spPr>
-            <a:xfrm>
-              <a:off x="914403" y="1304247"/>
-              <a:ext cx="2931734" cy="2197313"/>
-            </a:xfrm>
-            <a:prstGeom prst="rect">
-              <a:avLst/>
-            </a:prstGeom>
-          </p:spPr>
-        </p:pic>
-        <p:sp>
-          <p:nvSpPr>
-            <p:cNvPr id="3" name="文本框 2">
-              <a:extLst>
-                <a:ext uri="{FF2B5EF4-FFF2-40B4-BE49-F238E27FC236}">
-                  <a16:creationId xmlns:a16="http://schemas.microsoft.com/office/drawing/2014/main" id="{7546297B-714E-4C85-87DA-F1B1849B912B}"/>
-                </a:ext>
-              </a:extLst>
-            </p:cNvPr>
-            <p:cNvSpPr txBox="1"/>
-            <p:nvPr/>
-          </p:nvSpPr>
-          <p:spPr>
-            <a:xfrm>
-              <a:off x="914403" y="3640060"/>
-              <a:ext cx="3817856" cy="1569660"/>
-            </a:xfrm>
-            <a:prstGeom prst="rect">
-              <a:avLst/>
-            </a:prstGeom>
-            <a:noFill/>
-          </p:spPr>
-          <p:txBody>
-            <a:bodyPr wrap="square" rtlCol="0">
-              <a:spAutoFit/>
-            </a:bodyPr>
-            <a:lstStyle/>
-            <a:p>
-              <a:r>
-                <a:rPr lang="en-US" altLang="zh-CN" sz="3200" dirty="0"/>
-                <a:t>Knowledge and Information about Computer Science</a:t>
-              </a:r>
-              <a:endParaRPr lang="zh-CN" altLang="en-US" sz="3200" dirty="0"/>
-            </a:p>
-          </p:txBody>
-        </p:sp>
-      </p:grpSp>
-      <p:grpSp>
-        <p:nvGrpSpPr>
-          <p:cNvPr id="12" name="组合 11">
-            <a:extLst>
-              <a:ext uri="{FF2B5EF4-FFF2-40B4-BE49-F238E27FC236}">
-                <a16:creationId xmlns:a16="http://schemas.microsoft.com/office/drawing/2014/main" id="{3FCBD8A1-E377-4100-9F69-FCC18043F493}"/>
-              </a:ext>
-            </a:extLst>
-          </p:cNvPr>
-          <p:cNvGrpSpPr/>
-          <p:nvPr/>
-        </p:nvGrpSpPr>
-        <p:grpSpPr>
-          <a:xfrm>
-            <a:off x="4094977" y="1304247"/>
-            <a:ext cx="4079638" cy="4890358"/>
-            <a:chOff x="4094977" y="1304247"/>
-            <a:chExt cx="4079638" cy="4890358"/>
-          </a:xfrm>
-        </p:grpSpPr>
-        <p:pic>
-          <p:nvPicPr>
-            <p:cNvPr id="7" name="图片 6">
-              <a:extLst>
-                <a:ext uri="{FF2B5EF4-FFF2-40B4-BE49-F238E27FC236}">
-                  <a16:creationId xmlns:a16="http://schemas.microsoft.com/office/drawing/2014/main" id="{21992426-7F6A-41EF-BA80-B67D7B4C7ECD}"/>
-                </a:ext>
-              </a:extLst>
-            </p:cNvPr>
-            <p:cNvPicPr>
-              <a:picLocks noChangeAspect="1"/>
-            </p:cNvPicPr>
-            <p:nvPr/>
-          </p:nvPicPr>
-          <p:blipFill rotWithShape="1">
-            <a:blip r:embed="rId2">
-              <a:clrChange>
-                <a:clrFrom>
-                  <a:srgbClr val="313344"/>
-                </a:clrFrom>
-                <a:clrTo>
-                  <a:srgbClr val="313344">
-                    <a:alpha val="0"/>
-                  </a:srgbClr>
-                </a:clrTo>
-              </a:clrChange>
-            </a:blip>
-            <a:srcRect l="30903" t="36551" r="40644" b="31409"/>
-            <a:stretch/>
-          </p:blipFill>
-          <p:spPr>
-            <a:xfrm>
-              <a:off x="4094977" y="1304247"/>
-              <a:ext cx="3469064" cy="2197313"/>
-            </a:xfrm>
-            <a:prstGeom prst="rect">
-              <a:avLst/>
-            </a:prstGeom>
-          </p:spPr>
-        </p:pic>
-        <p:sp>
-          <p:nvSpPr>
-            <p:cNvPr id="9" name="文本框 8">
-              <a:extLst>
-                <a:ext uri="{FF2B5EF4-FFF2-40B4-BE49-F238E27FC236}">
-                  <a16:creationId xmlns:a16="http://schemas.microsoft.com/office/drawing/2014/main" id="{CA23ED42-FFC5-4BDC-9A1B-F769BC5E18C9}"/>
-                </a:ext>
-              </a:extLst>
-            </p:cNvPr>
-            <p:cNvSpPr txBox="1"/>
-            <p:nvPr/>
-          </p:nvSpPr>
-          <p:spPr>
-            <a:xfrm>
-              <a:off x="4356759" y="3640060"/>
-              <a:ext cx="3817856" cy="2554545"/>
-            </a:xfrm>
-            <a:prstGeom prst="rect">
-              <a:avLst/>
-            </a:prstGeom>
-            <a:noFill/>
-          </p:spPr>
-          <p:txBody>
-            <a:bodyPr wrap="square" rtlCol="0">
-              <a:spAutoFit/>
-            </a:bodyPr>
-            <a:lstStyle/>
-            <a:p>
-              <a:r>
-                <a:rPr lang="en-US" altLang="zh-CN" sz="3200" dirty="0"/>
-                <a:t>Enthusiasm for Computer Science and optimism about the future of Computer Science </a:t>
-              </a:r>
-              <a:endParaRPr lang="zh-CN" altLang="en-US" sz="3200" dirty="0"/>
-            </a:p>
-          </p:txBody>
-        </p:sp>
-      </p:grpSp>
-      <p:grpSp>
-        <p:nvGrpSpPr>
-          <p:cNvPr id="13" name="组合 12">
-            <a:extLst>
-              <a:ext uri="{FF2B5EF4-FFF2-40B4-BE49-F238E27FC236}">
-                <a16:creationId xmlns:a16="http://schemas.microsoft.com/office/drawing/2014/main" id="{5B7C4E2F-E44A-4296-AA29-70515741E9BA}"/>
-              </a:ext>
-            </a:extLst>
-          </p:cNvPr>
-          <p:cNvGrpSpPr/>
-          <p:nvPr/>
-        </p:nvGrpSpPr>
-        <p:grpSpPr>
-          <a:xfrm>
-            <a:off x="7482942" y="1304247"/>
-            <a:ext cx="4424686" cy="4397916"/>
-            <a:chOff x="7482942" y="1304247"/>
-            <a:chExt cx="4424686" cy="4397916"/>
-          </a:xfrm>
-        </p:grpSpPr>
-        <p:pic>
-          <p:nvPicPr>
-            <p:cNvPr id="6" name="图片 5">
-              <a:extLst>
-                <a:ext uri="{FF2B5EF4-FFF2-40B4-BE49-F238E27FC236}">
-                  <a16:creationId xmlns:a16="http://schemas.microsoft.com/office/drawing/2014/main" id="{0DE7A4C9-0BE5-4C67-AACB-61ABE5FB0D53}"/>
-                </a:ext>
-              </a:extLst>
-            </p:cNvPr>
-            <p:cNvPicPr>
-              <a:picLocks noChangeAspect="1"/>
-            </p:cNvPicPr>
-            <p:nvPr/>
-          </p:nvPicPr>
-          <p:blipFill rotWithShape="1">
-            <a:blip r:embed="rId2">
-              <a:clrChange>
-                <a:clrFrom>
-                  <a:srgbClr val="313344"/>
-                </a:clrFrom>
-                <a:clrTo>
-                  <a:srgbClr val="313344">
-                    <a:alpha val="0"/>
-                  </a:srgbClr>
-                </a:clrTo>
-              </a:clrChange>
-            </a:blip>
-            <a:srcRect l="59060" t="36551" r="13943" b="31409"/>
-            <a:stretch/>
-          </p:blipFill>
-          <p:spPr>
-            <a:xfrm>
-              <a:off x="7482942" y="1304247"/>
-              <a:ext cx="3291528" cy="2197313"/>
-            </a:xfrm>
-            <a:prstGeom prst="rect">
-              <a:avLst/>
-            </a:prstGeom>
-          </p:spPr>
-        </p:pic>
-        <p:sp>
-          <p:nvSpPr>
-            <p:cNvPr id="10" name="文本框 9">
-              <a:extLst>
-                <a:ext uri="{FF2B5EF4-FFF2-40B4-BE49-F238E27FC236}">
-                  <a16:creationId xmlns:a16="http://schemas.microsoft.com/office/drawing/2014/main" id="{4EBE86A3-0FCC-42C0-8F69-2BD0A9E63C28}"/>
-                </a:ext>
-              </a:extLst>
-            </p:cNvPr>
-            <p:cNvSpPr txBox="1"/>
-            <p:nvPr/>
-          </p:nvSpPr>
-          <p:spPr>
-            <a:xfrm>
-              <a:off x="8089772" y="3640060"/>
-              <a:ext cx="3817856" cy="2062103"/>
-            </a:xfrm>
-            <a:prstGeom prst="rect">
-              <a:avLst/>
-            </a:prstGeom>
-            <a:noFill/>
-          </p:spPr>
-          <p:txBody>
-            <a:bodyPr wrap="square" rtlCol="0">
-              <a:spAutoFit/>
-            </a:bodyPr>
-            <a:lstStyle/>
-            <a:p>
-              <a:r>
-                <a:rPr lang="en-US" altLang="zh-CN" sz="3200" dirty="0"/>
-                <a:t>Experience of the leader of this Computer Science club</a:t>
-              </a:r>
-              <a:endParaRPr lang="zh-CN" altLang="en-US" sz="3200" dirty="0"/>
-            </a:p>
-          </p:txBody>
-        </p:sp>
-      </p:grpSp>
-    </p:spTree>
-    <p:extLst>
-      <p:ext uri="{BB962C8B-B14F-4D97-AF65-F5344CB8AC3E}">
-        <p14:creationId xmlns:p14="http://schemas.microsoft.com/office/powerpoint/2010/main" val="1536433884"/>
-      </p:ext>
-    </p:extLst>
-  </p:cSld>
-  <p:clrMapOvr>
-    <a:masterClrMapping/>
-  </p:clrMapOvr>
-  <mc:AlternateContent xmlns:mc="http://schemas.openxmlformats.org/markup-compatibility/2006" xmlns:p14="http://schemas.microsoft.com/office/powerpoint/2010/main">
-    <mc:Choice Requires="p14">
-      <p:transition spd="slow" p14:dur="1600">
-        <p14:gallery dir="l"/>
-      </p:transition>
-    </mc:Choice>
-    <mc:Fallback xmlns="">
-      <p:transition spd="slow">
-        <p:fade/>
-      </p:transition>
-    </mc:Fallback>
-  </mc:AlternateContent>
-  <p:timing>
-    <p:tnLst>
-      <p:par>
-        <p:cTn id="1" dur="indefinite" restart="never" nodeType="tmRoot">
-          <p:childTnLst>
-            <p:seq concurrent="1" nextAc="seek">
-              <p:cTn id="2" dur="indefinite" nodeType="mainSeq">
-                <p:childTnLst>
-                  <p:par>
-                    <p:cTn id="3" fill="hold">
-                      <p:stCondLst>
-                        <p:cond delay="indefinite"/>
-                      </p:stCondLst>
-                      <p:childTnLst>
-                        <p:par>
-                          <p:cTn id="4" fill="hold">
-                            <p:stCondLst>
-                              <p:cond delay="0"/>
-                            </p:stCondLst>
-                            <p:childTnLst>
-                              <p:par>
-                                <p:cTn id="5" presetID="42" presetClass="entr" presetSubtype="0" fill="hold" nodeType="clickEffect">
-                                  <p:stCondLst>
-                                    <p:cond delay="0"/>
-                                  </p:stCondLst>
-                                  <p:childTnLst>
-                                    <p:set>
-                                      <p:cBhvr>
-                                        <p:cTn id="6" dur="1" fill="hold">
-                                          <p:stCondLst>
-                                            <p:cond delay="0"/>
-                                          </p:stCondLst>
-                                        </p:cTn>
-                                        <p:tgtEl>
-                                          <p:spTgt spid="11"/>
-                                        </p:tgtEl>
-                                        <p:attrNameLst>
-                                          <p:attrName>style.visibility</p:attrName>
-                                        </p:attrNameLst>
-                                      </p:cBhvr>
-                                      <p:to>
-                                        <p:strVal val="visible"/>
-                                      </p:to>
-                                    </p:set>
-                                    <p:animEffect transition="in" filter="fade">
-                                      <p:cBhvr>
-                                        <p:cTn id="7" dur="1000"/>
-                                        <p:tgtEl>
-                                          <p:spTgt spid="11"/>
-                                        </p:tgtEl>
-                                      </p:cBhvr>
-                                    </p:animEffect>
-                                    <p:anim calcmode="lin" valueType="num">
-                                      <p:cBhvr>
-                                        <p:cTn id="8" dur="1000" fill="hold"/>
-                                        <p:tgtEl>
-                                          <p:spTgt spid="11"/>
-                                        </p:tgtEl>
-                                        <p:attrNameLst>
-                                          <p:attrName>ppt_x</p:attrName>
-                                        </p:attrNameLst>
-                                      </p:cBhvr>
-                                      <p:tavLst>
-                                        <p:tav tm="0">
-                                          <p:val>
-                                            <p:strVal val="#ppt_x"/>
-                                          </p:val>
-                                        </p:tav>
-                                        <p:tav tm="100000">
-                                          <p:val>
-                                            <p:strVal val="#ppt_x"/>
-                                          </p:val>
-                                        </p:tav>
-                                      </p:tavLst>
-                                    </p:anim>
-                                    <p:anim calcmode="lin" valueType="num">
-                                      <p:cBhvr>
-                                        <p:cTn id="9" dur="1000" fill="hold"/>
-                                        <p:tgtEl>
-                                          <p:spTgt spid="11"/>
-                                        </p:tgtEl>
-                                        <p:attrNameLst>
-                                          <p:attrName>ppt_y</p:attrName>
-                                        </p:attrNameLst>
-                                      </p:cBhvr>
-                                      <p:tavLst>
-                                        <p:tav tm="0">
-                                          <p:val>
-                                            <p:strVal val="#ppt_y+.1"/>
-                                          </p:val>
-                                        </p:tav>
-                                        <p:tav tm="100000">
-                                          <p:val>
-                                            <p:strVal val="#ppt_y"/>
-                                          </p:val>
-                                        </p:tav>
-                                      </p:tavLst>
-                                    </p:anim>
-                                  </p:childTnLst>
-                                </p:cTn>
-                              </p:par>
-                            </p:childTnLst>
-                          </p:cTn>
-                        </p:par>
-                      </p:childTnLst>
-                    </p:cTn>
-                  </p:par>
-                  <p:par>
-                    <p:cTn id="10" fill="hold">
-                      <p:stCondLst>
-                        <p:cond delay="indefinite"/>
-                      </p:stCondLst>
-                      <p:childTnLst>
-                        <p:par>
-                          <p:cTn id="11" fill="hold">
-                            <p:stCondLst>
-                              <p:cond delay="0"/>
-                            </p:stCondLst>
-                            <p:childTnLst>
-                              <p:par>
-                                <p:cTn id="12" presetID="42" presetClass="entr" presetSubtype="0" fill="hold" nodeType="clickEffect">
-                                  <p:stCondLst>
-                                    <p:cond delay="0"/>
-                                  </p:stCondLst>
-                                  <p:childTnLst>
-                                    <p:set>
-                                      <p:cBhvr>
-                                        <p:cTn id="13" dur="1" fill="hold">
-                                          <p:stCondLst>
-                                            <p:cond delay="0"/>
-                                          </p:stCondLst>
-                                        </p:cTn>
-                                        <p:tgtEl>
-                                          <p:spTgt spid="12"/>
-                                        </p:tgtEl>
-                                        <p:attrNameLst>
-                                          <p:attrName>style.visibility</p:attrName>
-                                        </p:attrNameLst>
-                                      </p:cBhvr>
-                                      <p:to>
-                                        <p:strVal val="visible"/>
-                                      </p:to>
-                                    </p:set>
-                                    <p:animEffect transition="in" filter="fade">
-                                      <p:cBhvr>
-                                        <p:cTn id="14" dur="1000"/>
-                                        <p:tgtEl>
-                                          <p:spTgt spid="12"/>
-                                        </p:tgtEl>
-                                      </p:cBhvr>
-                                    </p:animEffect>
-                                    <p:anim calcmode="lin" valueType="num">
-                                      <p:cBhvr>
-                                        <p:cTn id="15" dur="1000" fill="hold"/>
-                                        <p:tgtEl>
-                                          <p:spTgt spid="12"/>
-                                        </p:tgtEl>
-                                        <p:attrNameLst>
-                                          <p:attrName>ppt_x</p:attrName>
-                                        </p:attrNameLst>
-                                      </p:cBhvr>
-                                      <p:tavLst>
-                                        <p:tav tm="0">
-                                          <p:val>
-                                            <p:strVal val="#ppt_x"/>
-                                          </p:val>
-                                        </p:tav>
-                                        <p:tav tm="100000">
-                                          <p:val>
-                                            <p:strVal val="#ppt_x"/>
-                                          </p:val>
-                                        </p:tav>
-                                      </p:tavLst>
-                                    </p:anim>
-                                    <p:anim calcmode="lin" valueType="num">
-                                      <p:cBhvr>
-                                        <p:cTn id="16" dur="1000" fill="hold"/>
-                                        <p:tgtEl>
-                                          <p:spTgt spid="12"/>
-                                        </p:tgtEl>
-                                        <p:attrNameLst>
-                                          <p:attrName>ppt_y</p:attrName>
-                                        </p:attrNameLst>
-                                      </p:cBhvr>
-                                      <p:tavLst>
-                                        <p:tav tm="0">
-                                          <p:val>
-                                            <p:strVal val="#ppt_y+.1"/>
-                                          </p:val>
-                                        </p:tav>
-                                        <p:tav tm="100000">
-                                          <p:val>
-                                            <p:strVal val="#ppt_y"/>
-                                          </p:val>
-                                        </p:tav>
-                                      </p:tavLst>
-                                    </p:anim>
-                                  </p:childTnLst>
-                                </p:cTn>
-                              </p:par>
-                            </p:childTnLst>
-                          </p:cTn>
-                        </p:par>
-                      </p:childTnLst>
-                    </p:cTn>
-                  </p:par>
-                  <p:par>
-                    <p:cTn id="17" fill="hold">
-                      <p:stCondLst>
-                        <p:cond delay="indefinite"/>
-                      </p:stCondLst>
-                      <p:childTnLst>
-                        <p:par>
-                          <p:cTn id="18" fill="hold">
-                            <p:stCondLst>
-                              <p:cond delay="0"/>
-                            </p:stCondLst>
-                            <p:childTnLst>
-                              <p:par>
-                                <p:cTn id="19" presetID="42" presetClass="entr" presetSubtype="0" fill="hold" nodeType="clickEffect">
-                                  <p:stCondLst>
-                                    <p:cond delay="0"/>
-                                  </p:stCondLst>
-                                  <p:childTnLst>
-                                    <p:set>
-                                      <p:cBhvr>
-                                        <p:cTn id="20" dur="1" fill="hold">
-                                          <p:stCondLst>
-                                            <p:cond delay="0"/>
-                                          </p:stCondLst>
-                                        </p:cTn>
-                                        <p:tgtEl>
-                                          <p:spTgt spid="13"/>
-                                        </p:tgtEl>
-                                        <p:attrNameLst>
-                                          <p:attrName>style.visibility</p:attrName>
-                                        </p:attrNameLst>
-                                      </p:cBhvr>
-                                      <p:to>
-                                        <p:strVal val="visible"/>
-                                      </p:to>
-                                    </p:set>
-                                    <p:animEffect transition="in" filter="fade">
-                                      <p:cBhvr>
-                                        <p:cTn id="21" dur="1000"/>
-                                        <p:tgtEl>
-                                          <p:spTgt spid="13"/>
-                                        </p:tgtEl>
-                                      </p:cBhvr>
-                                    </p:animEffect>
-                                    <p:anim calcmode="lin" valueType="num">
-                                      <p:cBhvr>
-                                        <p:cTn id="22" dur="1000" fill="hold"/>
-                                        <p:tgtEl>
-                                          <p:spTgt spid="13"/>
-                                        </p:tgtEl>
-                                        <p:attrNameLst>
-                                          <p:attrName>ppt_x</p:attrName>
-                                        </p:attrNameLst>
-                                      </p:cBhvr>
-                                      <p:tavLst>
-                                        <p:tav tm="0">
-                                          <p:val>
-                                            <p:strVal val="#ppt_x"/>
-                                          </p:val>
-                                        </p:tav>
-                                        <p:tav tm="100000">
-                                          <p:val>
-                                            <p:strVal val="#ppt_x"/>
-                                          </p:val>
-                                        </p:tav>
-                                      </p:tavLst>
-                                    </p:anim>
-                                    <p:anim calcmode="lin" valueType="num">
-                                      <p:cBhvr>
-                                        <p:cTn id="23" dur="1000" fill="hold"/>
-                                        <p:tgtEl>
-                                          <p:spTgt spid="13"/>
-                                        </p:tgtEl>
-                                        <p:attrNameLst>
-                                          <p:attrName>ppt_y</p:attrName>
-                                        </p:attrNameLst>
-                                      </p:cBhvr>
-                                      <p:tavLst>
-                                        <p:tav tm="0">
-                                          <p:val>
-                                            <p:strVal val="#ppt_y+.1"/>
-                                          </p:val>
-                                        </p:tav>
-                                        <p:tav tm="100000">
-                                          <p:val>
-                                            <p:strVal val="#ppt_y"/>
-                                          </p:val>
-                                        </p:tav>
-                                      </p:tavLst>
-                                    </p:anim>
-                                  </p:childTnLst>
-                                </p:cTn>
-                              </p:par>
-                            </p:childTnLst>
-                          </p:cTn>
-                        </p:par>
-                      </p:childTnLst>
-                    </p:cTn>
-                  </p:par>
-                </p:childTnLst>
-              </p:cTn>
-              <p:prevCondLst>
-                <p:cond evt="onPrev" delay="0">
-                  <p:tgtEl>
-                    <p:sldTgt/>
-                  </p:tgtEl>
-                </p:cond>
-              </p:prevCondLst>
-              <p:nextCondLst>
-                <p:cond evt="onNext" delay="0">
-                  <p:tgtEl>
-                    <p:sldTgt/>
-                  </p:tgtEl>
-                </p:cond>
-              </p:nextCondLst>
-            </p:seq>
-          </p:childTnLst>
-        </p:cTn>
-      </p:par>
-    </p:tnLst>
-  </p:timing>
-</p:sld>
-</file>
-
-<file path=ppt/slides/slide12.xml><?xml version="1.0" encoding="utf-8"?>
 <p:sld xmlns:a="http://schemas.openxmlformats.org/drawingml/2006/main" xmlns:r="http://schemas.openxmlformats.org/officeDocument/2006/relationships" xmlns:p="http://schemas.openxmlformats.org/presentationml/2006/main">
   <p:cSld>
     <p:spTree>
@@ -4798,6 +4081,755 @@
                                         <p:tav tm="0">
                                           <p:val>
                                             <p:strVal val="1+#ppt_h/2"/>
+                                          </p:val>
+                                        </p:tav>
+                                        <p:tav tm="100000">
+                                          <p:val>
+                                            <p:strVal val="#ppt_y"/>
+                                          </p:val>
+                                        </p:tav>
+                                      </p:tavLst>
+                                    </p:anim>
+                                  </p:childTnLst>
+                                </p:cTn>
+                              </p:par>
+                            </p:childTnLst>
+                          </p:cTn>
+                        </p:par>
+                      </p:childTnLst>
+                    </p:cTn>
+                  </p:par>
+                </p:childTnLst>
+              </p:cTn>
+              <p:prevCondLst>
+                <p:cond evt="onPrev" delay="0">
+                  <p:tgtEl>
+                    <p:sldTgt/>
+                  </p:tgtEl>
+                </p:cond>
+              </p:prevCondLst>
+              <p:nextCondLst>
+                <p:cond evt="onNext" delay="0">
+                  <p:tgtEl>
+                    <p:sldTgt/>
+                  </p:tgtEl>
+                </p:cond>
+              </p:nextCondLst>
+            </p:seq>
+          </p:childTnLst>
+        </p:cTn>
+      </p:par>
+    </p:tnLst>
+  </p:timing>
+</p:sld>
+</file>
+
+<file path=ppt/slides/slide12.xml><?xml version="1.0" encoding="utf-8"?>
+<p:sld xmlns:a="http://schemas.openxmlformats.org/drawingml/2006/main" xmlns:r="http://schemas.openxmlformats.org/officeDocument/2006/relationships" xmlns:p="http://schemas.openxmlformats.org/presentationml/2006/main">
+  <p:cSld>
+    <p:spTree>
+      <p:nvGrpSpPr>
+        <p:cNvPr id="1" name=""/>
+        <p:cNvGrpSpPr/>
+        <p:nvPr/>
+      </p:nvGrpSpPr>
+      <p:grpSpPr>
+        <a:xfrm>
+          <a:off x="0" y="0"/>
+          <a:ext cx="0" cy="0"/>
+          <a:chOff x="0" y="0"/>
+          <a:chExt cx="0" cy="0"/>
+        </a:xfrm>
+      </p:grpSpPr>
+      <p:sp>
+        <p:nvSpPr>
+          <p:cNvPr id="5" name="矩形 4">
+            <a:extLst>
+              <a:ext uri="{FF2B5EF4-FFF2-40B4-BE49-F238E27FC236}">
+                <a16:creationId xmlns:a16="http://schemas.microsoft.com/office/drawing/2014/main" id="{D2CE77AC-E3B4-4314-80A0-C4DB51C38C02}"/>
+              </a:ext>
+            </a:extLst>
+          </p:cNvPr>
+          <p:cNvSpPr/>
+          <p:nvPr/>
+        </p:nvSpPr>
+        <p:spPr>
+          <a:xfrm>
+            <a:off x="1711848" y="380917"/>
+            <a:ext cx="6982809" cy="923330"/>
+          </a:xfrm>
+          <a:prstGeom prst="rect">
+            <a:avLst/>
+          </a:prstGeom>
+          <a:noFill/>
+        </p:spPr>
+        <p:txBody>
+          <a:bodyPr wrap="none" lIns="91440" tIns="45720" rIns="91440" bIns="45720">
+            <a:spAutoFit/>
+          </a:bodyPr>
+          <a:lstStyle/>
+          <a:p>
+            <a:pPr algn="ctr"/>
+            <a:r>
+              <a:rPr lang="en-US" altLang="zh-CN" sz="5400" b="1" cap="none" spc="0" dirty="0">
+                <a:ln w="9525">
+                  <a:solidFill>
+                    <a:schemeClr val="bg1"/>
+                  </a:solidFill>
+                  <a:prstDash val="solid"/>
+                </a:ln>
+                <a:solidFill>
+                  <a:schemeClr val="tx1"/>
+                </a:solidFill>
+                <a:effectLst>
+                  <a:outerShdw blurRad="12700" dist="38100" dir="2700000" algn="tl" rotWithShape="0">
+                    <a:schemeClr val="bg1">
+                      <a:lumMod val="50000"/>
+                    </a:schemeClr>
+                  </a:outerShdw>
+                </a:effectLst>
+              </a:rPr>
+              <a:t>Competit</a:t>
+            </a:r>
+            <a:r>
+              <a:rPr lang="en-US" altLang="zh-CN" sz="5400" b="1" dirty="0">
+                <a:ln w="9525">
+                  <a:solidFill>
+                    <a:schemeClr val="bg1"/>
+                  </a:solidFill>
+                  <a:prstDash val="solid"/>
+                </a:ln>
+                <a:effectLst>
+                  <a:outerShdw blurRad="12700" dist="38100" dir="2700000" algn="tl" rotWithShape="0">
+                    <a:schemeClr val="bg1">
+                      <a:lumMod val="50000"/>
+                    </a:schemeClr>
+                  </a:outerShdw>
+                </a:effectLst>
+              </a:rPr>
+              <a:t>ion Advantage</a:t>
+            </a:r>
+            <a:endParaRPr lang="zh-CN" altLang="en-US" sz="5400" b="1" cap="none" spc="0" dirty="0">
+              <a:ln w="9525">
+                <a:solidFill>
+                  <a:schemeClr val="bg1"/>
+                </a:solidFill>
+                <a:prstDash val="solid"/>
+              </a:ln>
+              <a:solidFill>
+                <a:schemeClr val="tx1"/>
+              </a:solidFill>
+              <a:effectLst>
+                <a:outerShdw blurRad="12700" dist="38100" dir="2700000" algn="tl" rotWithShape="0">
+                  <a:schemeClr val="bg1">
+                    <a:lumMod val="50000"/>
+                  </a:schemeClr>
+                </a:outerShdw>
+              </a:effectLst>
+            </a:endParaRPr>
+          </a:p>
+        </p:txBody>
+      </p:sp>
+      <p:grpSp>
+        <p:nvGrpSpPr>
+          <p:cNvPr id="11" name="组合 10">
+            <a:extLst>
+              <a:ext uri="{FF2B5EF4-FFF2-40B4-BE49-F238E27FC236}">
+                <a16:creationId xmlns:a16="http://schemas.microsoft.com/office/drawing/2014/main" id="{33D6B921-2963-4843-824C-BCB7A1442F86}"/>
+              </a:ext>
+            </a:extLst>
+          </p:cNvPr>
+          <p:cNvGrpSpPr/>
+          <p:nvPr/>
+        </p:nvGrpSpPr>
+        <p:grpSpPr>
+          <a:xfrm>
+            <a:off x="914403" y="1304247"/>
+            <a:ext cx="3817856" cy="3905473"/>
+            <a:chOff x="914403" y="1304247"/>
+            <a:chExt cx="3817856" cy="3905473"/>
+          </a:xfrm>
+        </p:grpSpPr>
+        <p:pic>
+          <p:nvPicPr>
+            <p:cNvPr id="4" name="图片 3">
+              <a:extLst>
+                <a:ext uri="{FF2B5EF4-FFF2-40B4-BE49-F238E27FC236}">
+                  <a16:creationId xmlns:a16="http://schemas.microsoft.com/office/drawing/2014/main" id="{9C53770C-06AC-44DB-B198-A6256BFD0782}"/>
+                </a:ext>
+              </a:extLst>
+            </p:cNvPr>
+            <p:cNvPicPr>
+              <a:picLocks noChangeAspect="1"/>
+            </p:cNvPicPr>
+            <p:nvPr/>
+          </p:nvPicPr>
+          <p:blipFill rotWithShape="1">
+            <a:blip r:embed="rId2">
+              <a:clrChange>
+                <a:clrFrom>
+                  <a:srgbClr val="313344"/>
+                </a:clrFrom>
+                <a:clrTo>
+                  <a:srgbClr val="313344">
+                    <a:alpha val="0"/>
+                  </a:srgbClr>
+                </a:clrTo>
+              </a:clrChange>
+            </a:blip>
+            <a:srcRect l="4794" t="36551" r="71160" b="31409"/>
+            <a:stretch/>
+          </p:blipFill>
+          <p:spPr>
+            <a:xfrm>
+              <a:off x="914403" y="1304247"/>
+              <a:ext cx="2931734" cy="2197313"/>
+            </a:xfrm>
+            <a:prstGeom prst="rect">
+              <a:avLst/>
+            </a:prstGeom>
+          </p:spPr>
+        </p:pic>
+        <p:sp>
+          <p:nvSpPr>
+            <p:cNvPr id="3" name="文本框 2">
+              <a:extLst>
+                <a:ext uri="{FF2B5EF4-FFF2-40B4-BE49-F238E27FC236}">
+                  <a16:creationId xmlns:a16="http://schemas.microsoft.com/office/drawing/2014/main" id="{7546297B-714E-4C85-87DA-F1B1849B912B}"/>
+                </a:ext>
+              </a:extLst>
+            </p:cNvPr>
+            <p:cNvSpPr txBox="1"/>
+            <p:nvPr/>
+          </p:nvSpPr>
+          <p:spPr>
+            <a:xfrm>
+              <a:off x="914403" y="3640060"/>
+              <a:ext cx="3817856" cy="1569660"/>
+            </a:xfrm>
+            <a:prstGeom prst="rect">
+              <a:avLst/>
+            </a:prstGeom>
+            <a:noFill/>
+          </p:spPr>
+          <p:txBody>
+            <a:bodyPr wrap="square" rtlCol="0">
+              <a:spAutoFit/>
+            </a:bodyPr>
+            <a:lstStyle/>
+            <a:p>
+              <a:r>
+                <a:rPr lang="en-US" altLang="zh-CN" sz="3200" dirty="0"/>
+                <a:t>Knowledge and Information about Computer Science</a:t>
+              </a:r>
+              <a:endParaRPr lang="zh-CN" altLang="en-US" sz="3200" dirty="0"/>
+            </a:p>
+          </p:txBody>
+        </p:sp>
+      </p:grpSp>
+      <p:grpSp>
+        <p:nvGrpSpPr>
+          <p:cNvPr id="12" name="组合 11">
+            <a:extLst>
+              <a:ext uri="{FF2B5EF4-FFF2-40B4-BE49-F238E27FC236}">
+                <a16:creationId xmlns:a16="http://schemas.microsoft.com/office/drawing/2014/main" id="{3FCBD8A1-E377-4100-9F69-FCC18043F493}"/>
+              </a:ext>
+            </a:extLst>
+          </p:cNvPr>
+          <p:cNvGrpSpPr/>
+          <p:nvPr/>
+        </p:nvGrpSpPr>
+        <p:grpSpPr>
+          <a:xfrm>
+            <a:off x="4094977" y="1304247"/>
+            <a:ext cx="4079638" cy="4890358"/>
+            <a:chOff x="4094977" y="1304247"/>
+            <a:chExt cx="4079638" cy="4890358"/>
+          </a:xfrm>
+        </p:grpSpPr>
+        <p:pic>
+          <p:nvPicPr>
+            <p:cNvPr id="7" name="图片 6">
+              <a:extLst>
+                <a:ext uri="{FF2B5EF4-FFF2-40B4-BE49-F238E27FC236}">
+                  <a16:creationId xmlns:a16="http://schemas.microsoft.com/office/drawing/2014/main" id="{21992426-7F6A-41EF-BA80-B67D7B4C7ECD}"/>
+                </a:ext>
+              </a:extLst>
+            </p:cNvPr>
+            <p:cNvPicPr>
+              <a:picLocks noChangeAspect="1"/>
+            </p:cNvPicPr>
+            <p:nvPr/>
+          </p:nvPicPr>
+          <p:blipFill rotWithShape="1">
+            <a:blip r:embed="rId2">
+              <a:clrChange>
+                <a:clrFrom>
+                  <a:srgbClr val="313344"/>
+                </a:clrFrom>
+                <a:clrTo>
+                  <a:srgbClr val="313344">
+                    <a:alpha val="0"/>
+                  </a:srgbClr>
+                </a:clrTo>
+              </a:clrChange>
+            </a:blip>
+            <a:srcRect l="30903" t="36551" r="40644" b="31409"/>
+            <a:stretch/>
+          </p:blipFill>
+          <p:spPr>
+            <a:xfrm>
+              <a:off x="4094977" y="1304247"/>
+              <a:ext cx="3469064" cy="2197313"/>
+            </a:xfrm>
+            <a:prstGeom prst="rect">
+              <a:avLst/>
+            </a:prstGeom>
+          </p:spPr>
+        </p:pic>
+        <p:sp>
+          <p:nvSpPr>
+            <p:cNvPr id="9" name="文本框 8">
+              <a:extLst>
+                <a:ext uri="{FF2B5EF4-FFF2-40B4-BE49-F238E27FC236}">
+                  <a16:creationId xmlns:a16="http://schemas.microsoft.com/office/drawing/2014/main" id="{CA23ED42-FFC5-4BDC-9A1B-F769BC5E18C9}"/>
+                </a:ext>
+              </a:extLst>
+            </p:cNvPr>
+            <p:cNvSpPr txBox="1"/>
+            <p:nvPr/>
+          </p:nvSpPr>
+          <p:spPr>
+            <a:xfrm>
+              <a:off x="4356759" y="3640060"/>
+              <a:ext cx="3817856" cy="2554545"/>
+            </a:xfrm>
+            <a:prstGeom prst="rect">
+              <a:avLst/>
+            </a:prstGeom>
+            <a:noFill/>
+          </p:spPr>
+          <p:txBody>
+            <a:bodyPr wrap="square" rtlCol="0">
+              <a:spAutoFit/>
+            </a:bodyPr>
+            <a:lstStyle/>
+            <a:p>
+              <a:r>
+                <a:rPr lang="en-US" altLang="zh-CN" sz="3200" dirty="0"/>
+                <a:t>Enthusiasm for Computer Science and optimism about the future of Computer Science </a:t>
+              </a:r>
+              <a:endParaRPr lang="zh-CN" altLang="en-US" sz="3200" dirty="0"/>
+            </a:p>
+          </p:txBody>
+        </p:sp>
+      </p:grpSp>
+      <p:grpSp>
+        <p:nvGrpSpPr>
+          <p:cNvPr id="13" name="组合 12">
+            <a:extLst>
+              <a:ext uri="{FF2B5EF4-FFF2-40B4-BE49-F238E27FC236}">
+                <a16:creationId xmlns:a16="http://schemas.microsoft.com/office/drawing/2014/main" id="{5B7C4E2F-E44A-4296-AA29-70515741E9BA}"/>
+              </a:ext>
+            </a:extLst>
+          </p:cNvPr>
+          <p:cNvGrpSpPr/>
+          <p:nvPr/>
+        </p:nvGrpSpPr>
+        <p:grpSpPr>
+          <a:xfrm>
+            <a:off x="7482942" y="1304247"/>
+            <a:ext cx="4424686" cy="4397916"/>
+            <a:chOff x="7482942" y="1304247"/>
+            <a:chExt cx="4424686" cy="4397916"/>
+          </a:xfrm>
+        </p:grpSpPr>
+        <p:pic>
+          <p:nvPicPr>
+            <p:cNvPr id="6" name="图片 5">
+              <a:extLst>
+                <a:ext uri="{FF2B5EF4-FFF2-40B4-BE49-F238E27FC236}">
+                  <a16:creationId xmlns:a16="http://schemas.microsoft.com/office/drawing/2014/main" id="{0DE7A4C9-0BE5-4C67-AACB-61ABE5FB0D53}"/>
+                </a:ext>
+              </a:extLst>
+            </p:cNvPr>
+            <p:cNvPicPr>
+              <a:picLocks noChangeAspect="1"/>
+            </p:cNvPicPr>
+            <p:nvPr/>
+          </p:nvPicPr>
+          <p:blipFill rotWithShape="1">
+            <a:blip r:embed="rId2">
+              <a:clrChange>
+                <a:clrFrom>
+                  <a:srgbClr val="313344"/>
+                </a:clrFrom>
+                <a:clrTo>
+                  <a:srgbClr val="313344">
+                    <a:alpha val="0"/>
+                  </a:srgbClr>
+                </a:clrTo>
+              </a:clrChange>
+            </a:blip>
+            <a:srcRect l="59060" t="36551" r="13943" b="31409"/>
+            <a:stretch/>
+          </p:blipFill>
+          <p:spPr>
+            <a:xfrm>
+              <a:off x="7482942" y="1304247"/>
+              <a:ext cx="3291528" cy="2197313"/>
+            </a:xfrm>
+            <a:prstGeom prst="rect">
+              <a:avLst/>
+            </a:prstGeom>
+          </p:spPr>
+        </p:pic>
+        <p:sp>
+          <p:nvSpPr>
+            <p:cNvPr id="10" name="文本框 9">
+              <a:extLst>
+                <a:ext uri="{FF2B5EF4-FFF2-40B4-BE49-F238E27FC236}">
+                  <a16:creationId xmlns:a16="http://schemas.microsoft.com/office/drawing/2014/main" id="{4EBE86A3-0FCC-42C0-8F69-2BD0A9E63C28}"/>
+                </a:ext>
+              </a:extLst>
+            </p:cNvPr>
+            <p:cNvSpPr txBox="1"/>
+            <p:nvPr/>
+          </p:nvSpPr>
+          <p:spPr>
+            <a:xfrm>
+              <a:off x="8089772" y="3640060"/>
+              <a:ext cx="3817856" cy="2062103"/>
+            </a:xfrm>
+            <a:prstGeom prst="rect">
+              <a:avLst/>
+            </a:prstGeom>
+            <a:noFill/>
+          </p:spPr>
+          <p:txBody>
+            <a:bodyPr wrap="square" rtlCol="0">
+              <a:spAutoFit/>
+            </a:bodyPr>
+            <a:lstStyle/>
+            <a:p>
+              <a:r>
+                <a:rPr lang="en-US" altLang="zh-CN" sz="3200" dirty="0"/>
+                <a:t>Experience of the leader of this Computer Science club</a:t>
+              </a:r>
+              <a:endParaRPr lang="zh-CN" altLang="en-US" sz="3200" dirty="0"/>
+            </a:p>
+          </p:txBody>
+        </p:sp>
+      </p:grpSp>
+    </p:spTree>
+    <p:extLst>
+      <p:ext uri="{BB962C8B-B14F-4D97-AF65-F5344CB8AC3E}">
+        <p14:creationId xmlns:p14="http://schemas.microsoft.com/office/powerpoint/2010/main" val="1536433884"/>
+      </p:ext>
+    </p:extLst>
+  </p:cSld>
+  <p:clrMapOvr>
+    <a:masterClrMapping/>
+  </p:clrMapOvr>
+  <mc:AlternateContent xmlns:mc="http://schemas.openxmlformats.org/markup-compatibility/2006" xmlns:p14="http://schemas.microsoft.com/office/powerpoint/2010/main">
+    <mc:Choice Requires="p14">
+      <p:transition spd="slow" p14:dur="1600">
+        <p14:gallery dir="l"/>
+      </p:transition>
+    </mc:Choice>
+    <mc:Fallback xmlns="">
+      <p:transition spd="slow">
+        <p:fade/>
+      </p:transition>
+    </mc:Fallback>
+  </mc:AlternateContent>
+  <p:timing>
+    <p:tnLst>
+      <p:par>
+        <p:cTn id="1" dur="indefinite" restart="never" nodeType="tmRoot">
+          <p:childTnLst>
+            <p:seq concurrent="1" nextAc="seek">
+              <p:cTn id="2" dur="indefinite" nodeType="mainSeq">
+                <p:childTnLst>
+                  <p:par>
+                    <p:cTn id="3" fill="hold">
+                      <p:stCondLst>
+                        <p:cond delay="indefinite"/>
+                      </p:stCondLst>
+                      <p:childTnLst>
+                        <p:par>
+                          <p:cTn id="4" fill="hold">
+                            <p:stCondLst>
+                              <p:cond delay="0"/>
+                            </p:stCondLst>
+                            <p:childTnLst>
+                              <p:par>
+                                <p:cTn id="5" presetID="42" presetClass="entr" presetSubtype="0" fill="hold" nodeType="clickEffect">
+                                  <p:stCondLst>
+                                    <p:cond delay="0"/>
+                                  </p:stCondLst>
+                                  <p:childTnLst>
+                                    <p:set>
+                                      <p:cBhvr>
+                                        <p:cTn id="6" dur="1" fill="hold">
+                                          <p:stCondLst>
+                                            <p:cond delay="0"/>
+                                          </p:stCondLst>
+                                        </p:cTn>
+                                        <p:tgtEl>
+                                          <p:spTgt spid="11"/>
+                                        </p:tgtEl>
+                                        <p:attrNameLst>
+                                          <p:attrName>style.visibility</p:attrName>
+                                        </p:attrNameLst>
+                                      </p:cBhvr>
+                                      <p:to>
+                                        <p:strVal val="visible"/>
+                                      </p:to>
+                                    </p:set>
+                                    <p:animEffect transition="in" filter="fade">
+                                      <p:cBhvr>
+                                        <p:cTn id="7" dur="1000"/>
+                                        <p:tgtEl>
+                                          <p:spTgt spid="11"/>
+                                        </p:tgtEl>
+                                      </p:cBhvr>
+                                    </p:animEffect>
+                                    <p:anim calcmode="lin" valueType="num">
+                                      <p:cBhvr>
+                                        <p:cTn id="8" dur="1000" fill="hold"/>
+                                        <p:tgtEl>
+                                          <p:spTgt spid="11"/>
+                                        </p:tgtEl>
+                                        <p:attrNameLst>
+                                          <p:attrName>ppt_x</p:attrName>
+                                        </p:attrNameLst>
+                                      </p:cBhvr>
+                                      <p:tavLst>
+                                        <p:tav tm="0">
+                                          <p:val>
+                                            <p:strVal val="#ppt_x"/>
+                                          </p:val>
+                                        </p:tav>
+                                        <p:tav tm="100000">
+                                          <p:val>
+                                            <p:strVal val="#ppt_x"/>
+                                          </p:val>
+                                        </p:tav>
+                                      </p:tavLst>
+                                    </p:anim>
+                                    <p:anim calcmode="lin" valueType="num">
+                                      <p:cBhvr>
+                                        <p:cTn id="9" dur="1000" fill="hold"/>
+                                        <p:tgtEl>
+                                          <p:spTgt spid="11"/>
+                                        </p:tgtEl>
+                                        <p:attrNameLst>
+                                          <p:attrName>ppt_y</p:attrName>
+                                        </p:attrNameLst>
+                                      </p:cBhvr>
+                                      <p:tavLst>
+                                        <p:tav tm="0">
+                                          <p:val>
+                                            <p:strVal val="#ppt_y+.1"/>
+                                          </p:val>
+                                        </p:tav>
+                                        <p:tav tm="100000">
+                                          <p:val>
+                                            <p:strVal val="#ppt_y"/>
+                                          </p:val>
+                                        </p:tav>
+                                      </p:tavLst>
+                                    </p:anim>
+                                  </p:childTnLst>
+                                </p:cTn>
+                              </p:par>
+                            </p:childTnLst>
+                          </p:cTn>
+                        </p:par>
+                      </p:childTnLst>
+                    </p:cTn>
+                  </p:par>
+                  <p:par>
+                    <p:cTn id="10" fill="hold">
+                      <p:stCondLst>
+                        <p:cond delay="indefinite"/>
+                      </p:stCondLst>
+                      <p:childTnLst>
+                        <p:par>
+                          <p:cTn id="11" fill="hold">
+                            <p:stCondLst>
+                              <p:cond delay="0"/>
+                            </p:stCondLst>
+                            <p:childTnLst>
+                              <p:par>
+                                <p:cTn id="12" presetID="42" presetClass="entr" presetSubtype="0" fill="hold" nodeType="clickEffect">
+                                  <p:stCondLst>
+                                    <p:cond delay="0"/>
+                                  </p:stCondLst>
+                                  <p:childTnLst>
+                                    <p:set>
+                                      <p:cBhvr>
+                                        <p:cTn id="13" dur="1" fill="hold">
+                                          <p:stCondLst>
+                                            <p:cond delay="0"/>
+                                          </p:stCondLst>
+                                        </p:cTn>
+                                        <p:tgtEl>
+                                          <p:spTgt spid="12"/>
+                                        </p:tgtEl>
+                                        <p:attrNameLst>
+                                          <p:attrName>style.visibility</p:attrName>
+                                        </p:attrNameLst>
+                                      </p:cBhvr>
+                                      <p:to>
+                                        <p:strVal val="visible"/>
+                                      </p:to>
+                                    </p:set>
+                                    <p:animEffect transition="in" filter="fade">
+                                      <p:cBhvr>
+                                        <p:cTn id="14" dur="1000"/>
+                                        <p:tgtEl>
+                                          <p:spTgt spid="12"/>
+                                        </p:tgtEl>
+                                      </p:cBhvr>
+                                    </p:animEffect>
+                                    <p:anim calcmode="lin" valueType="num">
+                                      <p:cBhvr>
+                                        <p:cTn id="15" dur="1000" fill="hold"/>
+                                        <p:tgtEl>
+                                          <p:spTgt spid="12"/>
+                                        </p:tgtEl>
+                                        <p:attrNameLst>
+                                          <p:attrName>ppt_x</p:attrName>
+                                        </p:attrNameLst>
+                                      </p:cBhvr>
+                                      <p:tavLst>
+                                        <p:tav tm="0">
+                                          <p:val>
+                                            <p:strVal val="#ppt_x"/>
+                                          </p:val>
+                                        </p:tav>
+                                        <p:tav tm="100000">
+                                          <p:val>
+                                            <p:strVal val="#ppt_x"/>
+                                          </p:val>
+                                        </p:tav>
+                                      </p:tavLst>
+                                    </p:anim>
+                                    <p:anim calcmode="lin" valueType="num">
+                                      <p:cBhvr>
+                                        <p:cTn id="16" dur="1000" fill="hold"/>
+                                        <p:tgtEl>
+                                          <p:spTgt spid="12"/>
+                                        </p:tgtEl>
+                                        <p:attrNameLst>
+                                          <p:attrName>ppt_y</p:attrName>
+                                        </p:attrNameLst>
+                                      </p:cBhvr>
+                                      <p:tavLst>
+                                        <p:tav tm="0">
+                                          <p:val>
+                                            <p:strVal val="#ppt_y+.1"/>
+                                          </p:val>
+                                        </p:tav>
+                                        <p:tav tm="100000">
+                                          <p:val>
+                                            <p:strVal val="#ppt_y"/>
+                                          </p:val>
+                                        </p:tav>
+                                      </p:tavLst>
+                                    </p:anim>
+                                  </p:childTnLst>
+                                </p:cTn>
+                              </p:par>
+                            </p:childTnLst>
+                          </p:cTn>
+                        </p:par>
+                      </p:childTnLst>
+                    </p:cTn>
+                  </p:par>
+                  <p:par>
+                    <p:cTn id="17" fill="hold">
+                      <p:stCondLst>
+                        <p:cond delay="indefinite"/>
+                      </p:stCondLst>
+                      <p:childTnLst>
+                        <p:par>
+                          <p:cTn id="18" fill="hold">
+                            <p:stCondLst>
+                              <p:cond delay="0"/>
+                            </p:stCondLst>
+                            <p:childTnLst>
+                              <p:par>
+                                <p:cTn id="19" presetID="42" presetClass="entr" presetSubtype="0" fill="hold" nodeType="clickEffect">
+                                  <p:stCondLst>
+                                    <p:cond delay="0"/>
+                                  </p:stCondLst>
+                                  <p:childTnLst>
+                                    <p:set>
+                                      <p:cBhvr>
+                                        <p:cTn id="20" dur="1" fill="hold">
+                                          <p:stCondLst>
+                                            <p:cond delay="0"/>
+                                          </p:stCondLst>
+                                        </p:cTn>
+                                        <p:tgtEl>
+                                          <p:spTgt spid="13"/>
+                                        </p:tgtEl>
+                                        <p:attrNameLst>
+                                          <p:attrName>style.visibility</p:attrName>
+                                        </p:attrNameLst>
+                                      </p:cBhvr>
+                                      <p:to>
+                                        <p:strVal val="visible"/>
+                                      </p:to>
+                                    </p:set>
+                                    <p:animEffect transition="in" filter="fade">
+                                      <p:cBhvr>
+                                        <p:cTn id="21" dur="1000"/>
+                                        <p:tgtEl>
+                                          <p:spTgt spid="13"/>
+                                        </p:tgtEl>
+                                      </p:cBhvr>
+                                    </p:animEffect>
+                                    <p:anim calcmode="lin" valueType="num">
+                                      <p:cBhvr>
+                                        <p:cTn id="22" dur="1000" fill="hold"/>
+                                        <p:tgtEl>
+                                          <p:spTgt spid="13"/>
+                                        </p:tgtEl>
+                                        <p:attrNameLst>
+                                          <p:attrName>ppt_x</p:attrName>
+                                        </p:attrNameLst>
+                                      </p:cBhvr>
+                                      <p:tavLst>
+                                        <p:tav tm="0">
+                                          <p:val>
+                                            <p:strVal val="#ppt_x"/>
+                                          </p:val>
+                                        </p:tav>
+                                        <p:tav tm="100000">
+                                          <p:val>
+                                            <p:strVal val="#ppt_x"/>
+                                          </p:val>
+                                        </p:tav>
+                                      </p:tavLst>
+                                    </p:anim>
+                                    <p:anim calcmode="lin" valueType="num">
+                                      <p:cBhvr>
+                                        <p:cTn id="23" dur="1000" fill="hold"/>
+                                        <p:tgtEl>
+                                          <p:spTgt spid="13"/>
+                                        </p:tgtEl>
+                                        <p:attrNameLst>
+                                          <p:attrName>ppt_y</p:attrName>
+                                        </p:attrNameLst>
+                                      </p:cBhvr>
+                                      <p:tavLst>
+                                        <p:tav tm="0">
+                                          <p:val>
+                                            <p:strVal val="#ppt_y+.1"/>
                                           </p:val>
                                         </p:tav>
                                         <p:tav tm="100000">
